--- a/Spring Cloud.pptx
+++ b/Spring Cloud.pptx
@@ -11,22 +11,32 @@
     <p:sldId id="259" r:id="rId5"/>
     <p:sldId id="273" r:id="rId6"/>
     <p:sldId id="267" r:id="rId7"/>
-    <p:sldId id="274" r:id="rId8"/>
-    <p:sldId id="275" r:id="rId9"/>
-    <p:sldId id="276" r:id="rId10"/>
-    <p:sldId id="260" r:id="rId11"/>
-    <p:sldId id="278" r:id="rId12"/>
-    <p:sldId id="280" r:id="rId13"/>
-    <p:sldId id="277" r:id="rId14"/>
-    <p:sldId id="279" r:id="rId15"/>
-    <p:sldId id="269" r:id="rId16"/>
-    <p:sldId id="263" r:id="rId17"/>
-    <p:sldId id="270" r:id="rId18"/>
-    <p:sldId id="264" r:id="rId19"/>
-    <p:sldId id="271" r:id="rId20"/>
-    <p:sldId id="265" r:id="rId21"/>
-    <p:sldId id="272" r:id="rId22"/>
-    <p:sldId id="266" r:id="rId23"/>
+    <p:sldId id="282" r:id="rId8"/>
+    <p:sldId id="283" r:id="rId9"/>
+    <p:sldId id="274" r:id="rId10"/>
+    <p:sldId id="284" r:id="rId11"/>
+    <p:sldId id="275" r:id="rId12"/>
+    <p:sldId id="276" r:id="rId13"/>
+    <p:sldId id="285" r:id="rId14"/>
+    <p:sldId id="287" r:id="rId15"/>
+    <p:sldId id="260" r:id="rId16"/>
+    <p:sldId id="278" r:id="rId17"/>
+    <p:sldId id="280" r:id="rId18"/>
+    <p:sldId id="288" r:id="rId19"/>
+    <p:sldId id="289" r:id="rId20"/>
+    <p:sldId id="277" r:id="rId21"/>
+    <p:sldId id="279" r:id="rId22"/>
+    <p:sldId id="269" r:id="rId23"/>
+    <p:sldId id="292" r:id="rId24"/>
+    <p:sldId id="290" r:id="rId25"/>
+    <p:sldId id="263" r:id="rId26"/>
+    <p:sldId id="293" r:id="rId27"/>
+    <p:sldId id="270" r:id="rId28"/>
+    <p:sldId id="264" r:id="rId29"/>
+    <p:sldId id="271" r:id="rId30"/>
+    <p:sldId id="265" r:id="rId31"/>
+    <p:sldId id="272" r:id="rId32"/>
+    <p:sldId id="266" r:id="rId33"/>
   </p:sldIdLst>
   <p:sldSz cx="12192000" cy="6858000"/>
   <p:notesSz cx="6858000" cy="9144000"/>
@@ -127,7 +137,7 @@
   </p:defaultTextStyle>
   <p:extLst>
     <p:ext uri="{EFAFB233-063F-42B5-8137-9DF3F51BA10A}">
-      <p15:sldGuideLst xmlns:p15="http://schemas.microsoft.com/office/powerpoint/2012/main"/>
+      <p15:sldGuideLst xmlns:p15="http://schemas.microsoft.com/office/powerpoint/2012/main" xmlns=""/>
     </p:ext>
   </p:extLst>
 </p:presentation>
@@ -856,7 +866,7 @@
             <a:fld id="{B61BEF0D-F0BB-DE4B-95CE-6DB70DBA9567}" type="datetimeFigureOut">
               <a:rPr lang="en-US" dirty="0"/>
               <a:pPr/>
-              <a:t>21-Jul-16</a:t>
+              <a:t>7/24/2016</a:t>
             </a:fld>
             <a:endParaRPr lang="en-US" dirty="0"/>
           </a:p>
@@ -1104,7 +1114,7 @@
             <a:fld id="{B61BEF0D-F0BB-DE4B-95CE-6DB70DBA9567}" type="datetimeFigureOut">
               <a:rPr lang="en-US" dirty="0"/>
               <a:pPr/>
-              <a:t>21-Jul-16</a:t>
+              <a:t>7/24/2016</a:t>
             </a:fld>
             <a:endParaRPr lang="en-US" dirty="0"/>
           </a:p>
@@ -1415,7 +1425,7 @@
             <a:fld id="{B61BEF0D-F0BB-DE4B-95CE-6DB70DBA9567}" type="datetimeFigureOut">
               <a:rPr lang="en-US" dirty="0"/>
               <a:pPr/>
-              <a:t>21-Jul-16</a:t>
+              <a:t>7/24/2016</a:t>
             </a:fld>
             <a:endParaRPr lang="en-US" dirty="0"/>
           </a:p>
@@ -1753,7 +1763,7 @@
             <a:fld id="{B61BEF0D-F0BB-DE4B-95CE-6DB70DBA9567}" type="datetimeFigureOut">
               <a:rPr lang="en-US" dirty="0"/>
               <a:pPr/>
-              <a:t>21-Jul-16</a:t>
+              <a:t>7/24/2016</a:t>
             </a:fld>
             <a:endParaRPr lang="en-US" dirty="0"/>
           </a:p>
@@ -2064,7 +2074,7 @@
             <a:fld id="{B61BEF0D-F0BB-DE4B-95CE-6DB70DBA9567}" type="datetimeFigureOut">
               <a:rPr lang="en-US" dirty="0"/>
               <a:pPr/>
-              <a:t>21-Jul-16</a:t>
+              <a:t>7/24/2016</a:t>
             </a:fld>
             <a:endParaRPr lang="en-US" dirty="0"/>
           </a:p>
@@ -2454,7 +2464,7 @@
             <a:fld id="{B61BEF0D-F0BB-DE4B-95CE-6DB70DBA9567}" type="datetimeFigureOut">
               <a:rPr lang="en-US" dirty="0"/>
               <a:pPr/>
-              <a:t>21-Jul-16</a:t>
+              <a:t>7/24/2016</a:t>
             </a:fld>
             <a:endParaRPr lang="en-US" dirty="0"/>
           </a:p>
@@ -2620,7 +2630,8 @@
           <a:p>
             <a:fld id="{55C6B4A9-1611-4792-9094-5F34BCA07E0B}" type="datetimeFigureOut">
               <a:rPr lang="en-US" dirty="0"/>
-              <a:t>21-Jul-16</a:t>
+              <a:pPr/>
+              <a:t>7/24/2016</a:t>
             </a:fld>
             <a:endParaRPr lang="en-US" dirty="0"/>
           </a:p>
@@ -2662,6 +2673,7 @@
           <a:p>
             <a:fld id="{89333C77-0158-454C-844F-B7AB9BD7DAD4}" type="slidenum">
               <a:rPr lang="en-US" dirty="0"/>
+              <a:pPr/>
               <a:t>‹#›</a:t>
             </a:fld>
             <a:endParaRPr lang="en-US" dirty="0"/>
@@ -2796,7 +2808,7 @@
             <a:fld id="{B61BEF0D-F0BB-DE4B-95CE-6DB70DBA9567}" type="datetimeFigureOut">
               <a:rPr lang="en-US" dirty="0"/>
               <a:pPr/>
-              <a:t>21-Jul-16</a:t>
+              <a:t>7/24/2016</a:t>
             </a:fld>
             <a:endParaRPr lang="en-US" dirty="0"/>
           </a:p>
@@ -2969,7 +2981,7 @@
             <a:fld id="{B61BEF0D-F0BB-DE4B-95CE-6DB70DBA9567}" type="datetimeFigureOut">
               <a:rPr lang="en-US" dirty="0"/>
               <a:pPr/>
-              <a:t>21-Jul-16</a:t>
+              <a:t>7/24/2016</a:t>
             </a:fld>
             <a:endParaRPr lang="en-US" dirty="0"/>
           </a:p>
@@ -3213,7 +3225,7 @@
             <a:fld id="{B61BEF0D-F0BB-DE4B-95CE-6DB70DBA9567}" type="datetimeFigureOut">
               <a:rPr lang="en-US" dirty="0"/>
               <a:pPr/>
-              <a:t>21-Jul-16</a:t>
+              <a:t>7/24/2016</a:t>
             </a:fld>
             <a:endParaRPr lang="en-US" dirty="0"/>
           </a:p>
@@ -3441,7 +3453,8 @@
           <a:p>
             <a:fld id="{EB712588-04B1-427B-82EE-E8DB90309F08}" type="datetimeFigureOut">
               <a:rPr lang="en-US" dirty="0"/>
-              <a:t>21-Jul-16</a:t>
+              <a:pPr/>
+              <a:t>7/24/2016</a:t>
             </a:fld>
             <a:endParaRPr lang="en-US" dirty="0"/>
           </a:p>
@@ -3483,6 +3496,7 @@
           <a:p>
             <a:fld id="{6FF9F0C5-380F-41C2-899A-BAC0F0927E16}" type="slidenum">
               <a:rPr lang="en-US" dirty="0"/>
+              <a:pPr/>
               <a:t>‹#›</a:t>
             </a:fld>
             <a:endParaRPr lang="en-US" dirty="0"/>
@@ -3811,7 +3825,7 @@
             <a:fld id="{B61BEF0D-F0BB-DE4B-95CE-6DB70DBA9567}" type="datetimeFigureOut">
               <a:rPr lang="en-US" dirty="0"/>
               <a:pPr/>
-              <a:t>21-Jul-16</a:t>
+              <a:t>7/24/2016</a:t>
             </a:fld>
             <a:endParaRPr lang="en-US" dirty="0"/>
           </a:p>
@@ -3931,7 +3945,7 @@
             <a:fld id="{B61BEF0D-F0BB-DE4B-95CE-6DB70DBA9567}" type="datetimeFigureOut">
               <a:rPr lang="en-US" dirty="0"/>
               <a:pPr/>
-              <a:t>21-Jul-16</a:t>
+              <a:t>7/24/2016</a:t>
             </a:fld>
             <a:endParaRPr lang="en-US" dirty="0"/>
           </a:p>
@@ -4023,7 +4037,7 @@
             <a:fld id="{B61BEF0D-F0BB-DE4B-95CE-6DB70DBA9567}" type="datetimeFigureOut">
               <a:rPr lang="en-US" dirty="0"/>
               <a:pPr/>
-              <a:t>21-Jul-16</a:t>
+              <a:t>7/24/2016</a:t>
             </a:fld>
             <a:endParaRPr lang="en-US" dirty="0"/>
           </a:p>
@@ -4274,7 +4288,8 @@
           <a:p>
             <a:fld id="{42A54C80-263E-416B-A8E0-580EDEADCBDC}" type="datetimeFigureOut">
               <a:rPr lang="en-US" dirty="0"/>
-              <a:t>21-Jul-16</a:t>
+              <a:pPr/>
+              <a:t>7/24/2016</a:t>
             </a:fld>
             <a:endParaRPr lang="en-US" dirty="0"/>
           </a:p>
@@ -4316,6 +4331,7 @@
           <a:p>
             <a:fld id="{519954A3-9DFD-4C44-94BA-B95130A3BA1C}" type="slidenum">
               <a:rPr lang="en-US" dirty="0"/>
+              <a:pPr/>
               <a:t>‹#›</a:t>
             </a:fld>
             <a:endParaRPr lang="en-US" dirty="0"/>
@@ -4533,7 +4549,7 @@
             <a:fld id="{B61BEF0D-F0BB-DE4B-95CE-6DB70DBA9567}" type="datetimeFigureOut">
               <a:rPr lang="en-US" dirty="0"/>
               <a:pPr/>
-              <a:t>21-Jul-16</a:t>
+              <a:t>7/24/2016</a:t>
             </a:fld>
             <a:endParaRPr lang="en-US" dirty="0"/>
           </a:p>
@@ -5273,7 +5289,7 @@
             <a:fld id="{B61BEF0D-F0BB-DE4B-95CE-6DB70DBA9567}" type="datetimeFigureOut">
               <a:rPr lang="en-US" dirty="0"/>
               <a:pPr/>
-              <a:t>21-Jul-16</a:t>
+              <a:t>7/24/2016</a:t>
             </a:fld>
             <a:endParaRPr lang="en-US" dirty="0"/>
           </a:p>
@@ -5843,7 +5859,7 @@
     </p:spTree>
     <p:extLst>
       <p:ext uri="{BB962C8B-B14F-4D97-AF65-F5344CB8AC3E}">
-        <p14:creationId xmlns:p14="http://schemas.microsoft.com/office/powerpoint/2010/main" val="3170985141"/>
+        <p14:creationId xmlns:p14="http://schemas.microsoft.com/office/powerpoint/2010/main" xmlns="" val="3170985141"/>
       </p:ext>
     </p:extLst>
   </p:cSld>
@@ -5887,11 +5903,709 @@
           <a:p>
             <a:r>
               <a:rPr lang="en-US" dirty="0" smtClean="0"/>
-              <a:t>Spring Cloud Service </a:t>
+              <a:t>Spring Cloud </a:t>
+            </a:r>
+            <a:r>
+              <a:rPr lang="en-US" dirty="0" err="1" smtClean="0"/>
+              <a:t>Config</a:t>
             </a:r>
             <a:r>
               <a:rPr lang="en-US" dirty="0" smtClean="0"/>
-              <a:t>Discovery Server</a:t>
+              <a:t> Server Client</a:t>
+            </a:r>
+            <a:endParaRPr lang="en-US" dirty="0"/>
+          </a:p>
+        </p:txBody>
+      </p:sp>
+      <p:sp>
+        <p:nvSpPr>
+          <p:cNvPr id="3" name="Content Placeholder 2"/>
+          <p:cNvSpPr>
+            <a:spLocks noGrp="1"/>
+          </p:cNvSpPr>
+          <p:nvPr>
+            <p:ph idx="1"/>
+          </p:nvPr>
+        </p:nvSpPr>
+        <p:spPr/>
+        <p:txBody>
+          <a:bodyPr/>
+          <a:lstStyle/>
+          <a:p>
+            <a:r>
+              <a:rPr lang="en-US" dirty="0" smtClean="0"/>
+              <a:t>Refresh </a:t>
+            </a:r>
+            <a:r>
+              <a:rPr lang="en-US" dirty="0" smtClean="0"/>
+              <a:t>Configuration : single Service</a:t>
+            </a:r>
+            <a:endParaRPr lang="en-US" dirty="0"/>
+          </a:p>
+          <a:p>
+            <a:endParaRPr lang="en-US" dirty="0"/>
+          </a:p>
+        </p:txBody>
+      </p:sp>
+      <p:grpSp>
+        <p:nvGrpSpPr>
+          <p:cNvPr id="7" name="Группа 6"/>
+          <p:cNvGrpSpPr/>
+          <p:nvPr/>
+        </p:nvGrpSpPr>
+        <p:grpSpPr>
+          <a:xfrm>
+            <a:off x="1913380" y="3133898"/>
+            <a:ext cx="6124575" cy="3042458"/>
+            <a:chOff x="1913380" y="3133898"/>
+            <a:chExt cx="6124575" cy="3042458"/>
+          </a:xfrm>
+        </p:grpSpPr>
+        <p:pic>
+          <p:nvPicPr>
+            <p:cNvPr id="6" name="Picture 5"/>
+            <p:cNvPicPr>
+              <a:picLocks noChangeAspect="1"/>
+            </p:cNvPicPr>
+            <p:nvPr/>
+          </p:nvPicPr>
+          <p:blipFill rotWithShape="1">
+            <a:blip r:embed="rId2"/>
+            <a:srcRect t="5669" b="9604"/>
+            <a:stretch/>
+          </p:blipFill>
+          <p:spPr>
+            <a:xfrm>
+              <a:off x="1913380" y="3133898"/>
+              <a:ext cx="6124575" cy="3042458"/>
+            </a:xfrm>
+            <a:prstGeom prst="rect">
+              <a:avLst/>
+            </a:prstGeom>
+          </p:spPr>
+        </p:pic>
+        <p:sp>
+          <p:nvSpPr>
+            <p:cNvPr id="5" name="Прямоугольник 4"/>
+            <p:cNvSpPr/>
+            <p:nvPr/>
+          </p:nvSpPr>
+          <p:spPr>
+            <a:xfrm>
+              <a:off x="4152900" y="5250180"/>
+              <a:ext cx="3459480" cy="899160"/>
+            </a:xfrm>
+            <a:prstGeom prst="rect">
+              <a:avLst/>
+            </a:prstGeom>
+            <a:solidFill>
+              <a:schemeClr val="bg1"/>
+            </a:solidFill>
+            <a:ln>
+              <a:solidFill>
+                <a:schemeClr val="bg1"/>
+              </a:solidFill>
+            </a:ln>
+          </p:spPr>
+          <p:style>
+            <a:lnRef idx="2">
+              <a:schemeClr val="accent1">
+                <a:shade val="50000"/>
+              </a:schemeClr>
+            </a:lnRef>
+            <a:fillRef idx="1">
+              <a:schemeClr val="accent1"/>
+            </a:fillRef>
+            <a:effectRef idx="0">
+              <a:schemeClr val="accent1"/>
+            </a:effectRef>
+            <a:fontRef idx="minor">
+              <a:schemeClr val="lt1"/>
+            </a:fontRef>
+          </p:style>
+          <p:txBody>
+            <a:bodyPr rtlCol="0" anchor="ctr"/>
+            <a:lstStyle/>
+            <a:p>
+              <a:pPr algn="ctr"/>
+              <a:endParaRPr lang="ru-RU"/>
+            </a:p>
+          </p:txBody>
+        </p:sp>
+      </p:grpSp>
+    </p:spTree>
+    <p:extLst>
+      <p:ext uri="{BB962C8B-B14F-4D97-AF65-F5344CB8AC3E}">
+        <p14:creationId xmlns:p14="http://schemas.microsoft.com/office/powerpoint/2010/main" xmlns="" val="3786789244"/>
+      </p:ext>
+    </p:extLst>
+  </p:cSld>
+  <p:clrMapOvr>
+    <a:masterClrMapping/>
+  </p:clrMapOvr>
+</p:sld>
+</file>
+
+<file path=ppt/slides/slide11.xml><?xml version="1.0" encoding="utf-8"?>
+<p:sld xmlns:a="http://schemas.openxmlformats.org/drawingml/2006/main" xmlns:r="http://schemas.openxmlformats.org/officeDocument/2006/relationships" xmlns:p="http://schemas.openxmlformats.org/presentationml/2006/main">
+  <p:cSld>
+    <p:spTree>
+      <p:nvGrpSpPr>
+        <p:cNvPr id="1" name=""/>
+        <p:cNvGrpSpPr/>
+        <p:nvPr/>
+      </p:nvGrpSpPr>
+      <p:grpSpPr>
+        <a:xfrm>
+          <a:off x="0" y="0"/>
+          <a:ext cx="0" cy="0"/>
+          <a:chOff x="0" y="0"/>
+          <a:chExt cx="0" cy="0"/>
+        </a:xfrm>
+      </p:grpSpPr>
+      <p:sp>
+        <p:nvSpPr>
+          <p:cNvPr id="2" name="Title 1"/>
+          <p:cNvSpPr>
+            <a:spLocks noGrp="1"/>
+          </p:cNvSpPr>
+          <p:nvPr>
+            <p:ph type="title"/>
+          </p:nvPr>
+        </p:nvSpPr>
+        <p:spPr/>
+        <p:txBody>
+          <a:bodyPr/>
+          <a:lstStyle/>
+          <a:p>
+            <a:r>
+              <a:rPr lang="en-US" dirty="0" smtClean="0"/>
+              <a:t>Spring Cloud </a:t>
+            </a:r>
+            <a:r>
+              <a:rPr lang="en-US" dirty="0" err="1" smtClean="0"/>
+              <a:t>Config</a:t>
+            </a:r>
+            <a:r>
+              <a:rPr lang="en-US" dirty="0" smtClean="0"/>
+              <a:t> Server Client</a:t>
+            </a:r>
+            <a:endParaRPr lang="en-US" dirty="0"/>
+          </a:p>
+        </p:txBody>
+      </p:sp>
+      <p:sp>
+        <p:nvSpPr>
+          <p:cNvPr id="3" name="Content Placeholder 2"/>
+          <p:cNvSpPr>
+            <a:spLocks noGrp="1"/>
+          </p:cNvSpPr>
+          <p:nvPr>
+            <p:ph idx="1"/>
+          </p:nvPr>
+        </p:nvSpPr>
+        <p:spPr/>
+        <p:txBody>
+          <a:bodyPr/>
+          <a:lstStyle/>
+          <a:p>
+            <a:r>
+              <a:rPr lang="en-US" dirty="0" smtClean="0"/>
+              <a:t>Refresh </a:t>
+            </a:r>
+            <a:r>
+              <a:rPr lang="en-US" dirty="0" smtClean="0"/>
+              <a:t>Configuration: all services</a:t>
+            </a:r>
+            <a:endParaRPr lang="en-US" dirty="0"/>
+          </a:p>
+          <a:p>
+            <a:endParaRPr lang="en-US" dirty="0"/>
+          </a:p>
+        </p:txBody>
+      </p:sp>
+      <p:pic>
+        <p:nvPicPr>
+          <p:cNvPr id="6" name="Picture 5"/>
+          <p:cNvPicPr>
+            <a:picLocks noChangeAspect="1"/>
+          </p:cNvPicPr>
+          <p:nvPr/>
+        </p:nvPicPr>
+        <p:blipFill rotWithShape="1">
+          <a:blip r:embed="rId2"/>
+          <a:srcRect t="5669" b="9604"/>
+          <a:stretch/>
+        </p:blipFill>
+        <p:spPr>
+          <a:xfrm>
+            <a:off x="1913380" y="3133898"/>
+            <a:ext cx="6124575" cy="3042458"/>
+          </a:xfrm>
+          <a:prstGeom prst="rect">
+            <a:avLst/>
+          </a:prstGeom>
+        </p:spPr>
+      </p:pic>
+    </p:spTree>
+    <p:extLst>
+      <p:ext uri="{BB962C8B-B14F-4D97-AF65-F5344CB8AC3E}">
+        <p14:creationId xmlns:p14="http://schemas.microsoft.com/office/powerpoint/2010/main" xmlns="" val="3786789244"/>
+      </p:ext>
+    </p:extLst>
+  </p:cSld>
+  <p:clrMapOvr>
+    <a:masterClrMapping/>
+  </p:clrMapOvr>
+</p:sld>
+</file>
+
+<file path=ppt/slides/slide12.xml><?xml version="1.0" encoding="utf-8"?>
+<p:sld xmlns:a="http://schemas.openxmlformats.org/drawingml/2006/main" xmlns:r="http://schemas.openxmlformats.org/officeDocument/2006/relationships" xmlns:p="http://schemas.openxmlformats.org/presentationml/2006/main">
+  <p:cSld>
+    <p:spTree>
+      <p:nvGrpSpPr>
+        <p:cNvPr id="1" name=""/>
+        <p:cNvGrpSpPr/>
+        <p:nvPr/>
+      </p:nvGrpSpPr>
+      <p:grpSpPr>
+        <a:xfrm>
+          <a:off x="0" y="0"/>
+          <a:ext cx="0" cy="0"/>
+          <a:chOff x="0" y="0"/>
+          <a:chExt cx="0" cy="0"/>
+        </a:xfrm>
+      </p:grpSpPr>
+      <p:sp>
+        <p:nvSpPr>
+          <p:cNvPr id="2" name="Title 1"/>
+          <p:cNvSpPr>
+            <a:spLocks noGrp="1"/>
+          </p:cNvSpPr>
+          <p:nvPr>
+            <p:ph type="title"/>
+          </p:nvPr>
+        </p:nvSpPr>
+        <p:spPr/>
+        <p:txBody>
+          <a:bodyPr/>
+          <a:lstStyle/>
+          <a:p>
+            <a:r>
+              <a:rPr lang="en-US" dirty="0" smtClean="0"/>
+              <a:t>Spring Cloud </a:t>
+            </a:r>
+            <a:r>
+              <a:rPr lang="en-US" dirty="0" err="1" smtClean="0"/>
+              <a:t>Config</a:t>
+            </a:r>
+            <a:r>
+              <a:rPr lang="en-US" dirty="0" smtClean="0"/>
+              <a:t> Server Client</a:t>
+            </a:r>
+            <a:endParaRPr lang="en-US" dirty="0"/>
+          </a:p>
+        </p:txBody>
+      </p:sp>
+      <p:sp>
+        <p:nvSpPr>
+          <p:cNvPr id="3" name="Content Placeholder 2"/>
+          <p:cNvSpPr>
+            <a:spLocks noGrp="1"/>
+          </p:cNvSpPr>
+          <p:nvPr>
+            <p:ph idx="1"/>
+          </p:nvPr>
+        </p:nvSpPr>
+        <p:spPr/>
+        <p:txBody>
+          <a:bodyPr/>
+          <a:lstStyle/>
+          <a:p>
+            <a:r>
+              <a:rPr lang="en-US" dirty="0" smtClean="0"/>
+              <a:t>Sample code</a:t>
+            </a:r>
+          </a:p>
+          <a:p>
+            <a:endParaRPr lang="en-US" dirty="0" smtClean="0"/>
+          </a:p>
+          <a:p>
+            <a:r>
+              <a:rPr lang="en-US" dirty="0" smtClean="0"/>
+              <a:t>1. </a:t>
+            </a:r>
+            <a:r>
+              <a:rPr lang="en-US" dirty="0" err="1" smtClean="0"/>
+              <a:t>Config</a:t>
+            </a:r>
+            <a:r>
+              <a:rPr lang="en-US" dirty="0" smtClean="0"/>
+              <a:t> server client</a:t>
+            </a:r>
+          </a:p>
+          <a:p>
+            <a:r>
+              <a:rPr lang="en-US" dirty="0" smtClean="0"/>
+              <a:t>2. Refresh </a:t>
+            </a:r>
+            <a:r>
+              <a:rPr lang="en-US" dirty="0" smtClean="0"/>
+              <a:t>configuration</a:t>
+            </a:r>
+          </a:p>
+          <a:p>
+            <a:pPr lvl="1"/>
+            <a:r>
+              <a:rPr lang="en-US" dirty="0" smtClean="0"/>
+              <a:t>POST: /refresh</a:t>
+            </a:r>
+            <a:endParaRPr lang="en-US" dirty="0" smtClean="0"/>
+          </a:p>
+          <a:p>
+            <a:r>
+              <a:rPr lang="en-US" dirty="0" smtClean="0"/>
+              <a:t>3. </a:t>
+            </a:r>
+            <a:r>
+              <a:rPr lang="en-US" dirty="0" err="1" smtClean="0"/>
+              <a:t>Git</a:t>
+            </a:r>
+            <a:r>
+              <a:rPr lang="en-US" dirty="0" smtClean="0"/>
+              <a:t> versioning</a:t>
+            </a:r>
+            <a:endParaRPr lang="en-US" dirty="0"/>
+          </a:p>
+          <a:p>
+            <a:endParaRPr lang="en-US" dirty="0"/>
+          </a:p>
+        </p:txBody>
+      </p:sp>
+    </p:spTree>
+    <p:extLst>
+      <p:ext uri="{BB962C8B-B14F-4D97-AF65-F5344CB8AC3E}">
+        <p14:creationId xmlns:p14="http://schemas.microsoft.com/office/powerpoint/2010/main" xmlns="" val="4262707460"/>
+      </p:ext>
+    </p:extLst>
+  </p:cSld>
+  <p:clrMapOvr>
+    <a:masterClrMapping/>
+  </p:clrMapOvr>
+</p:sld>
+</file>
+
+<file path=ppt/slides/slide13.xml><?xml version="1.0" encoding="utf-8"?>
+<p:sld xmlns:a="http://schemas.openxmlformats.org/drawingml/2006/main" xmlns:r="http://schemas.openxmlformats.org/officeDocument/2006/relationships" xmlns:p="http://schemas.openxmlformats.org/presentationml/2006/main">
+  <p:cSld>
+    <p:spTree>
+      <p:nvGrpSpPr>
+        <p:cNvPr id="1" name=""/>
+        <p:cNvGrpSpPr/>
+        <p:nvPr/>
+      </p:nvGrpSpPr>
+      <p:grpSpPr>
+        <a:xfrm>
+          <a:off x="0" y="0"/>
+          <a:ext cx="0" cy="0"/>
+          <a:chOff x="0" y="0"/>
+          <a:chExt cx="0" cy="0"/>
+        </a:xfrm>
+      </p:grpSpPr>
+      <p:sp>
+        <p:nvSpPr>
+          <p:cNvPr id="2" name="Title 1"/>
+          <p:cNvSpPr>
+            <a:spLocks noGrp="1"/>
+          </p:cNvSpPr>
+          <p:nvPr>
+            <p:ph type="title"/>
+          </p:nvPr>
+        </p:nvSpPr>
+        <p:spPr/>
+        <p:txBody>
+          <a:bodyPr/>
+          <a:lstStyle/>
+          <a:p>
+            <a:pPr algn="ctr"/>
+            <a:r>
+              <a:rPr lang="en-US" dirty="0" smtClean="0"/>
+              <a:t>Amazing </a:t>
+            </a:r>
+            <a:r>
+              <a:rPr lang="en-US" dirty="0" smtClean="0"/>
+              <a:t>Netflix </a:t>
+            </a:r>
+            <a:r>
+              <a:rPr lang="en-US" dirty="0" smtClean="0"/>
+              <a:t>Statistics and Facts</a:t>
+            </a:r>
+            <a:endParaRPr lang="en-US" dirty="0"/>
+          </a:p>
+        </p:txBody>
+      </p:sp>
+      <p:sp>
+        <p:nvSpPr>
+          <p:cNvPr id="3" name="Content Placeholder 2"/>
+          <p:cNvSpPr>
+            <a:spLocks noGrp="1"/>
+          </p:cNvSpPr>
+          <p:nvPr>
+            <p:ph idx="1"/>
+          </p:nvPr>
+        </p:nvSpPr>
+        <p:spPr/>
+        <p:txBody>
+          <a:bodyPr/>
+          <a:lstStyle/>
+          <a:p>
+            <a:pPr>
+              <a:buNone/>
+            </a:pPr>
+            <a:endParaRPr lang="en-US" dirty="0" smtClean="0"/>
+          </a:p>
+          <a:p>
+            <a:pPr algn="ctr">
+              <a:buNone/>
+            </a:pPr>
+            <a:r>
+              <a:rPr lang="en-US" sz="2800" dirty="0" smtClean="0"/>
+              <a:t>Number of hours per day that users spend </a:t>
+            </a:r>
+            <a:r>
+              <a:rPr lang="en-US" sz="2800" dirty="0" smtClean="0"/>
+              <a:t>watching:</a:t>
+            </a:r>
+          </a:p>
+          <a:p>
+            <a:pPr algn="ctr">
+              <a:buNone/>
+            </a:pPr>
+            <a:r>
+              <a:rPr lang="en-US" sz="2800" dirty="0" smtClean="0"/>
+              <a:t> </a:t>
+            </a:r>
+          </a:p>
+          <a:p>
+            <a:pPr algn="ctr">
+              <a:buNone/>
+            </a:pPr>
+            <a:endParaRPr lang="en-US" sz="2800" dirty="0" smtClean="0"/>
+          </a:p>
+          <a:p>
+            <a:pPr algn="ctr">
+              <a:buNone/>
+            </a:pPr>
+            <a:endParaRPr lang="en-US" sz="2800" dirty="0" smtClean="0"/>
+          </a:p>
+          <a:p>
+            <a:pPr algn="ctr">
+              <a:buNone/>
+            </a:pPr>
+            <a:r>
+              <a:rPr lang="en-US" sz="2800" dirty="0" smtClean="0"/>
+              <a:t>Last </a:t>
+            </a:r>
+            <a:r>
+              <a:rPr lang="en-US" sz="2800" dirty="0" smtClean="0"/>
+              <a:t>updated </a:t>
+            </a:r>
+            <a:r>
+              <a:rPr lang="en-US" sz="2800" dirty="0" smtClean="0"/>
+              <a:t>15/ 04/ 2015</a:t>
+            </a:r>
+            <a:endParaRPr lang="en-US" sz="2800" dirty="0"/>
+          </a:p>
+        </p:txBody>
+      </p:sp>
+    </p:spTree>
+    <p:extLst>
+      <p:ext uri="{BB962C8B-B14F-4D97-AF65-F5344CB8AC3E}">
+        <p14:creationId xmlns:p14="http://schemas.microsoft.com/office/powerpoint/2010/main" xmlns="" val="2627308617"/>
+      </p:ext>
+    </p:extLst>
+  </p:cSld>
+  <p:clrMapOvr>
+    <a:masterClrMapping/>
+  </p:clrMapOvr>
+</p:sld>
+</file>
+
+<file path=ppt/slides/slide14.xml><?xml version="1.0" encoding="utf-8"?>
+<p:sld xmlns:a="http://schemas.openxmlformats.org/drawingml/2006/main" xmlns:r="http://schemas.openxmlformats.org/officeDocument/2006/relationships" xmlns:p="http://schemas.openxmlformats.org/presentationml/2006/main">
+  <p:cSld>
+    <p:spTree>
+      <p:nvGrpSpPr>
+        <p:cNvPr id="1" name=""/>
+        <p:cNvGrpSpPr/>
+        <p:nvPr/>
+      </p:nvGrpSpPr>
+      <p:grpSpPr>
+        <a:xfrm>
+          <a:off x="0" y="0"/>
+          <a:ext cx="0" cy="0"/>
+          <a:chOff x="0" y="0"/>
+          <a:chExt cx="0" cy="0"/>
+        </a:xfrm>
+      </p:grpSpPr>
+      <p:sp>
+        <p:nvSpPr>
+          <p:cNvPr id="2" name="Title 1"/>
+          <p:cNvSpPr>
+            <a:spLocks noGrp="1"/>
+          </p:cNvSpPr>
+          <p:nvPr>
+            <p:ph type="title"/>
+          </p:nvPr>
+        </p:nvSpPr>
+        <p:spPr/>
+        <p:txBody>
+          <a:bodyPr/>
+          <a:lstStyle/>
+          <a:p>
+            <a:pPr algn="ctr"/>
+            <a:r>
+              <a:rPr lang="en-US" dirty="0" smtClean="0"/>
+              <a:t>Amazing </a:t>
+            </a:r>
+            <a:r>
+              <a:rPr lang="en-US" dirty="0" smtClean="0"/>
+              <a:t>Netflix </a:t>
+            </a:r>
+            <a:r>
+              <a:rPr lang="en-US" dirty="0" smtClean="0"/>
+              <a:t>Statistics and Facts</a:t>
+            </a:r>
+            <a:endParaRPr lang="en-US" dirty="0"/>
+          </a:p>
+        </p:txBody>
+      </p:sp>
+      <p:sp>
+        <p:nvSpPr>
+          <p:cNvPr id="3" name="Content Placeholder 2"/>
+          <p:cNvSpPr>
+            <a:spLocks noGrp="1"/>
+          </p:cNvSpPr>
+          <p:nvPr>
+            <p:ph idx="1"/>
+          </p:nvPr>
+        </p:nvSpPr>
+        <p:spPr/>
+        <p:txBody>
+          <a:bodyPr/>
+          <a:lstStyle/>
+          <a:p>
+            <a:pPr>
+              <a:buNone/>
+            </a:pPr>
+            <a:endParaRPr lang="en-US" dirty="0" smtClean="0"/>
+          </a:p>
+          <a:p>
+            <a:pPr algn="ctr">
+              <a:buNone/>
+            </a:pPr>
+            <a:r>
+              <a:rPr lang="en-US" sz="2800" dirty="0" smtClean="0"/>
+              <a:t>Number of hours per day that users spend </a:t>
+            </a:r>
+            <a:r>
+              <a:rPr lang="en-US" sz="2800" dirty="0" smtClean="0"/>
+              <a:t>watching:</a:t>
+            </a:r>
+          </a:p>
+          <a:p>
+            <a:pPr algn="ctr">
+              <a:buNone/>
+            </a:pPr>
+            <a:r>
+              <a:rPr lang="en-US" sz="2800" dirty="0" smtClean="0"/>
+              <a:t> </a:t>
+            </a:r>
+          </a:p>
+          <a:p>
+            <a:pPr algn="ctr">
+              <a:buNone/>
+            </a:pPr>
+            <a:r>
+              <a:rPr lang="en-US" sz="2800" dirty="0" smtClean="0"/>
+              <a:t>100 </a:t>
+            </a:r>
+            <a:r>
+              <a:rPr lang="en-US" sz="2800" dirty="0" smtClean="0"/>
+              <a:t>million </a:t>
+            </a:r>
+            <a:r>
+              <a:rPr lang="en-US" sz="2800" dirty="0" smtClean="0"/>
+              <a:t>hours</a:t>
+            </a:r>
+          </a:p>
+          <a:p>
+            <a:pPr algn="ctr">
+              <a:buNone/>
+            </a:pPr>
+            <a:endParaRPr lang="en-US" sz="2800" dirty="0" smtClean="0"/>
+          </a:p>
+          <a:p>
+            <a:pPr algn="ctr">
+              <a:buNone/>
+            </a:pPr>
+            <a:r>
+              <a:rPr lang="en-US" sz="2800" dirty="0" smtClean="0"/>
+              <a:t>Last updated 15/ 04/ 2015</a:t>
+            </a:r>
+            <a:endParaRPr lang="en-US" sz="2800" dirty="0"/>
+          </a:p>
+        </p:txBody>
+      </p:sp>
+    </p:spTree>
+    <p:extLst>
+      <p:ext uri="{BB962C8B-B14F-4D97-AF65-F5344CB8AC3E}">
+        <p14:creationId xmlns:p14="http://schemas.microsoft.com/office/powerpoint/2010/main" xmlns="" val="2627308617"/>
+      </p:ext>
+    </p:extLst>
+  </p:cSld>
+  <p:clrMapOvr>
+    <a:masterClrMapping/>
+  </p:clrMapOvr>
+</p:sld>
+</file>
+
+<file path=ppt/slides/slide15.xml><?xml version="1.0" encoding="utf-8"?>
+<p:sld xmlns:a="http://schemas.openxmlformats.org/drawingml/2006/main" xmlns:r="http://schemas.openxmlformats.org/officeDocument/2006/relationships" xmlns:p="http://schemas.openxmlformats.org/presentationml/2006/main">
+  <p:cSld>
+    <p:spTree>
+      <p:nvGrpSpPr>
+        <p:cNvPr id="1" name=""/>
+        <p:cNvGrpSpPr/>
+        <p:nvPr/>
+      </p:nvGrpSpPr>
+      <p:grpSpPr>
+        <a:xfrm>
+          <a:off x="0" y="0"/>
+          <a:ext cx="0" cy="0"/>
+          <a:chOff x="0" y="0"/>
+          <a:chExt cx="0" cy="0"/>
+        </a:xfrm>
+      </p:grpSpPr>
+      <p:sp>
+        <p:nvSpPr>
+          <p:cNvPr id="2" name="Title 1"/>
+          <p:cNvSpPr>
+            <a:spLocks noGrp="1"/>
+          </p:cNvSpPr>
+          <p:nvPr>
+            <p:ph type="title"/>
+          </p:nvPr>
+        </p:nvSpPr>
+        <p:spPr/>
+        <p:txBody>
+          <a:bodyPr/>
+          <a:lstStyle/>
+          <a:p>
+            <a:r>
+              <a:rPr lang="en-US" dirty="0" smtClean="0"/>
+              <a:t>Spring Cloud Service Discovery Server</a:t>
             </a:r>
             <a:endParaRPr lang="en-US" dirty="0"/>
           </a:p>
@@ -5969,7 +6683,7 @@
     </p:spTree>
     <p:extLst>
       <p:ext uri="{BB962C8B-B14F-4D97-AF65-F5344CB8AC3E}">
-        <p14:creationId xmlns:p14="http://schemas.microsoft.com/office/powerpoint/2010/main" val="251431844"/>
+        <p14:creationId xmlns:p14="http://schemas.microsoft.com/office/powerpoint/2010/main" xmlns="" val="251431844"/>
       </p:ext>
     </p:extLst>
   </p:cSld>
@@ -5979,7 +6693,7 @@
 </p:sld>
 </file>
 
-<file path=ppt/slides/slide11.xml><?xml version="1.0" encoding="utf-8"?>
+<file path=ppt/slides/slide16.xml><?xml version="1.0" encoding="utf-8"?>
 <p:sld xmlns:a="http://schemas.openxmlformats.org/drawingml/2006/main" xmlns:r="http://schemas.openxmlformats.org/officeDocument/2006/relationships" xmlns:p="http://schemas.openxmlformats.org/presentationml/2006/main">
   <p:cSld>
     <p:spTree>
@@ -6013,11 +6727,7 @@
           <a:p>
             <a:r>
               <a:rPr lang="en-US" dirty="0" smtClean="0"/>
-              <a:t>Spring Cloud Service </a:t>
-            </a:r>
-            <a:r>
-              <a:rPr lang="en-US" dirty="0" smtClean="0"/>
-              <a:t>Discovery Server</a:t>
+              <a:t>Spring Cloud Service Discovery Server</a:t>
             </a:r>
             <a:endParaRPr lang="en-US" dirty="0"/>
           </a:p>
@@ -6073,524 +6783,7 @@
     </p:spTree>
     <p:extLst>
       <p:ext uri="{BB962C8B-B14F-4D97-AF65-F5344CB8AC3E}">
-        <p14:creationId xmlns:p14="http://schemas.microsoft.com/office/powerpoint/2010/main" val="708278319"/>
-      </p:ext>
-    </p:extLst>
-  </p:cSld>
-  <p:clrMapOvr>
-    <a:masterClrMapping/>
-  </p:clrMapOvr>
-</p:sld>
-</file>
-
-<file path=ppt/slides/slide12.xml><?xml version="1.0" encoding="utf-8"?>
-<p:sld xmlns:a="http://schemas.openxmlformats.org/drawingml/2006/main" xmlns:r="http://schemas.openxmlformats.org/officeDocument/2006/relationships" xmlns:p="http://schemas.openxmlformats.org/presentationml/2006/main">
-  <p:cSld>
-    <p:spTree>
-      <p:nvGrpSpPr>
-        <p:cNvPr id="1" name=""/>
-        <p:cNvGrpSpPr/>
-        <p:nvPr/>
-      </p:nvGrpSpPr>
-      <p:grpSpPr>
-        <a:xfrm>
-          <a:off x="0" y="0"/>
-          <a:ext cx="0" cy="0"/>
-          <a:chOff x="0" y="0"/>
-          <a:chExt cx="0" cy="0"/>
-        </a:xfrm>
-      </p:grpSpPr>
-      <p:sp>
-        <p:nvSpPr>
-          <p:cNvPr id="2" name="Title 1"/>
-          <p:cNvSpPr>
-            <a:spLocks noGrp="1"/>
-          </p:cNvSpPr>
-          <p:nvPr>
-            <p:ph type="title"/>
-          </p:nvPr>
-        </p:nvSpPr>
-        <p:spPr/>
-        <p:txBody>
-          <a:bodyPr/>
-          <a:lstStyle/>
-          <a:p>
-            <a:r>
-              <a:rPr lang="en-US" dirty="0" smtClean="0"/>
-              <a:t>Spring Cloud Service </a:t>
-            </a:r>
-            <a:r>
-              <a:rPr lang="en-US" dirty="0" smtClean="0"/>
-              <a:t>Discovery Server</a:t>
-            </a:r>
-            <a:endParaRPr lang="en-US" dirty="0"/>
-          </a:p>
-        </p:txBody>
-      </p:sp>
-      <p:sp>
-        <p:nvSpPr>
-          <p:cNvPr id="3" name="Content Placeholder 2"/>
-          <p:cNvSpPr>
-            <a:spLocks noGrp="1"/>
-          </p:cNvSpPr>
-          <p:nvPr>
-            <p:ph idx="1"/>
-          </p:nvPr>
-        </p:nvSpPr>
-        <p:spPr/>
-        <p:txBody>
-          <a:bodyPr/>
-          <a:lstStyle/>
-          <a:p>
-            <a:r>
-              <a:rPr lang="en-US" dirty="0"/>
-              <a:t>Sample </a:t>
-            </a:r>
-            <a:r>
-              <a:rPr lang="en-US" dirty="0" smtClean="0"/>
-              <a:t>code</a:t>
-            </a:r>
-          </a:p>
-          <a:p>
-            <a:pPr marL="0" indent="0">
-              <a:buNone/>
-            </a:pPr>
-            <a:endParaRPr lang="en-US" dirty="0" smtClean="0"/>
-          </a:p>
-          <a:p>
-            <a:pPr>
-              <a:buAutoNum type="arabicPeriod"/>
-            </a:pPr>
-            <a:r>
-              <a:rPr lang="en-US" dirty="0" smtClean="0"/>
-              <a:t>Dashboard</a:t>
-            </a:r>
-          </a:p>
-          <a:p>
-            <a:pPr marL="0" indent="0">
-              <a:buNone/>
-            </a:pPr>
-            <a:endParaRPr lang="en-US" dirty="0"/>
-          </a:p>
-        </p:txBody>
-      </p:sp>
-    </p:spTree>
-    <p:extLst>
-      <p:ext uri="{BB962C8B-B14F-4D97-AF65-F5344CB8AC3E}">
-        <p14:creationId xmlns:p14="http://schemas.microsoft.com/office/powerpoint/2010/main" val="2842936504"/>
-      </p:ext>
-    </p:extLst>
-  </p:cSld>
-  <p:clrMapOvr>
-    <a:masterClrMapping/>
-  </p:clrMapOvr>
-</p:sld>
-</file>
-
-<file path=ppt/slides/slide13.xml><?xml version="1.0" encoding="utf-8"?>
-<p:sld xmlns:a="http://schemas.openxmlformats.org/drawingml/2006/main" xmlns:r="http://schemas.openxmlformats.org/officeDocument/2006/relationships" xmlns:p="http://schemas.openxmlformats.org/presentationml/2006/main">
-  <p:cSld>
-    <p:spTree>
-      <p:nvGrpSpPr>
-        <p:cNvPr id="1" name=""/>
-        <p:cNvGrpSpPr/>
-        <p:nvPr/>
-      </p:nvGrpSpPr>
-      <p:grpSpPr>
-        <a:xfrm>
-          <a:off x="0" y="0"/>
-          <a:ext cx="0" cy="0"/>
-          <a:chOff x="0" y="0"/>
-          <a:chExt cx="0" cy="0"/>
-        </a:xfrm>
-      </p:grpSpPr>
-      <p:sp>
-        <p:nvSpPr>
-          <p:cNvPr id="2" name="Title 1"/>
-          <p:cNvSpPr>
-            <a:spLocks noGrp="1"/>
-          </p:cNvSpPr>
-          <p:nvPr>
-            <p:ph type="title"/>
-          </p:nvPr>
-        </p:nvSpPr>
-        <p:spPr/>
-        <p:txBody>
-          <a:bodyPr/>
-          <a:lstStyle/>
-          <a:p>
-            <a:r>
-              <a:rPr lang="en-US" dirty="0" smtClean="0"/>
-              <a:t>Spring Cloud Service </a:t>
-            </a:r>
-            <a:r>
-              <a:rPr lang="en-US" dirty="0" smtClean="0"/>
-              <a:t>Discovery Client</a:t>
-            </a:r>
-            <a:endParaRPr lang="en-US" dirty="0"/>
-          </a:p>
-        </p:txBody>
-      </p:sp>
-      <p:sp>
-        <p:nvSpPr>
-          <p:cNvPr id="3" name="Content Placeholder 2"/>
-          <p:cNvSpPr>
-            <a:spLocks noGrp="1"/>
-          </p:cNvSpPr>
-          <p:nvPr>
-            <p:ph idx="1"/>
-          </p:nvPr>
-        </p:nvSpPr>
-        <p:spPr/>
-        <p:txBody>
-          <a:bodyPr/>
-          <a:lstStyle/>
-          <a:p>
-            <a:r>
-              <a:rPr lang="en-US" dirty="0" smtClean="0"/>
-              <a:t>EUREKA</a:t>
-            </a:r>
-            <a:endParaRPr lang="en-US" dirty="0"/>
-          </a:p>
-        </p:txBody>
-      </p:sp>
-      <p:pic>
-        <p:nvPicPr>
-          <p:cNvPr id="6" name="Picture 5"/>
-          <p:cNvPicPr>
-            <a:picLocks noChangeAspect="1"/>
-          </p:cNvPicPr>
-          <p:nvPr/>
-        </p:nvPicPr>
-        <p:blipFill>
-          <a:blip r:embed="rId2"/>
-          <a:stretch>
-            <a:fillRect/>
-          </a:stretch>
-        </p:blipFill>
-        <p:spPr>
-          <a:xfrm>
-            <a:off x="1261697" y="2686496"/>
-            <a:ext cx="7394689" cy="907695"/>
-          </a:xfrm>
-          <a:prstGeom prst="rect">
-            <a:avLst/>
-          </a:prstGeom>
-        </p:spPr>
-      </p:pic>
-      <p:pic>
-        <p:nvPicPr>
-          <p:cNvPr id="7" name="Picture 6"/>
-          <p:cNvPicPr>
-            <a:picLocks noChangeAspect="1"/>
-          </p:cNvPicPr>
-          <p:nvPr/>
-        </p:nvPicPr>
-        <p:blipFill rotWithShape="1">
-          <a:blip r:embed="rId3"/>
-          <a:srcRect l="402"/>
-          <a:stretch/>
-        </p:blipFill>
-        <p:spPr>
-          <a:xfrm>
-            <a:off x="964275" y="3824380"/>
-            <a:ext cx="8055291" cy="1442673"/>
-          </a:xfrm>
-          <a:prstGeom prst="rect">
-            <a:avLst/>
-          </a:prstGeom>
-        </p:spPr>
-      </p:pic>
-    </p:spTree>
-    <p:extLst>
-      <p:ext uri="{BB962C8B-B14F-4D97-AF65-F5344CB8AC3E}">
-        <p14:creationId xmlns:p14="http://schemas.microsoft.com/office/powerpoint/2010/main" val="3849140043"/>
-      </p:ext>
-    </p:extLst>
-  </p:cSld>
-  <p:clrMapOvr>
-    <a:masterClrMapping/>
-  </p:clrMapOvr>
-</p:sld>
-</file>
-
-<file path=ppt/slides/slide14.xml><?xml version="1.0" encoding="utf-8"?>
-<p:sld xmlns:a="http://schemas.openxmlformats.org/drawingml/2006/main" xmlns:r="http://schemas.openxmlformats.org/officeDocument/2006/relationships" xmlns:p="http://schemas.openxmlformats.org/presentationml/2006/main">
-  <p:cSld>
-    <p:spTree>
-      <p:nvGrpSpPr>
-        <p:cNvPr id="1" name=""/>
-        <p:cNvGrpSpPr/>
-        <p:nvPr/>
-      </p:nvGrpSpPr>
-      <p:grpSpPr>
-        <a:xfrm>
-          <a:off x="0" y="0"/>
-          <a:ext cx="0" cy="0"/>
-          <a:chOff x="0" y="0"/>
-          <a:chExt cx="0" cy="0"/>
-        </a:xfrm>
-      </p:grpSpPr>
-      <p:sp>
-        <p:nvSpPr>
-          <p:cNvPr id="2" name="Title 1"/>
-          <p:cNvSpPr>
-            <a:spLocks noGrp="1"/>
-          </p:cNvSpPr>
-          <p:nvPr>
-            <p:ph type="title"/>
-          </p:nvPr>
-        </p:nvSpPr>
-        <p:spPr/>
-        <p:txBody>
-          <a:bodyPr/>
-          <a:lstStyle/>
-          <a:p>
-            <a:r>
-              <a:rPr lang="en-US" dirty="0" smtClean="0"/>
-              <a:t>Spring Cloud Service </a:t>
-            </a:r>
-            <a:r>
-              <a:rPr lang="en-US" dirty="0" smtClean="0"/>
-              <a:t>Discovery Client</a:t>
-            </a:r>
-            <a:endParaRPr lang="en-US" dirty="0"/>
-          </a:p>
-        </p:txBody>
-      </p:sp>
-      <p:sp>
-        <p:nvSpPr>
-          <p:cNvPr id="3" name="Content Placeholder 2"/>
-          <p:cNvSpPr>
-            <a:spLocks noGrp="1"/>
-          </p:cNvSpPr>
-          <p:nvPr>
-            <p:ph idx="1"/>
-          </p:nvPr>
-        </p:nvSpPr>
-        <p:spPr/>
-        <p:txBody>
-          <a:bodyPr/>
-          <a:lstStyle/>
-          <a:p>
-            <a:r>
-              <a:rPr lang="en-US" dirty="0" err="1" smtClean="0"/>
-              <a:t>Config</a:t>
-            </a:r>
-            <a:r>
-              <a:rPr lang="en-US" dirty="0" smtClean="0"/>
-              <a:t> properties</a:t>
-            </a:r>
-            <a:endParaRPr lang="en-US" dirty="0"/>
-          </a:p>
-        </p:txBody>
-      </p:sp>
-      <p:pic>
-        <p:nvPicPr>
-          <p:cNvPr id="4" name="Picture 3"/>
-          <p:cNvPicPr>
-            <a:picLocks noChangeAspect="1"/>
-          </p:cNvPicPr>
-          <p:nvPr/>
-        </p:nvPicPr>
-        <p:blipFill>
-          <a:blip r:embed="rId2"/>
-          <a:stretch>
-            <a:fillRect/>
-          </a:stretch>
-        </p:blipFill>
-        <p:spPr>
-          <a:xfrm>
-            <a:off x="1437203" y="2722850"/>
-            <a:ext cx="7076929" cy="3071120"/>
-          </a:xfrm>
-          <a:prstGeom prst="rect">
-            <a:avLst/>
-          </a:prstGeom>
-        </p:spPr>
-      </p:pic>
-    </p:spTree>
-    <p:extLst>
-      <p:ext uri="{BB962C8B-B14F-4D97-AF65-F5344CB8AC3E}">
-        <p14:creationId xmlns:p14="http://schemas.microsoft.com/office/powerpoint/2010/main" val="3017230674"/>
-      </p:ext>
-    </p:extLst>
-  </p:cSld>
-  <p:clrMapOvr>
-    <a:masterClrMapping/>
-  </p:clrMapOvr>
-</p:sld>
-</file>
-
-<file path=ppt/slides/slide15.xml><?xml version="1.0" encoding="utf-8"?>
-<p:sld xmlns:a="http://schemas.openxmlformats.org/drawingml/2006/main" xmlns:r="http://schemas.openxmlformats.org/officeDocument/2006/relationships" xmlns:p="http://schemas.openxmlformats.org/presentationml/2006/main">
-  <p:cSld>
-    <p:spTree>
-      <p:nvGrpSpPr>
-        <p:cNvPr id="1" name=""/>
-        <p:cNvGrpSpPr/>
-        <p:nvPr/>
-      </p:nvGrpSpPr>
-      <p:grpSpPr>
-        <a:xfrm>
-          <a:off x="0" y="0"/>
-          <a:ext cx="0" cy="0"/>
-          <a:chOff x="0" y="0"/>
-          <a:chExt cx="0" cy="0"/>
-        </a:xfrm>
-      </p:grpSpPr>
-      <p:sp>
-        <p:nvSpPr>
-          <p:cNvPr id="2" name="Title 1"/>
-          <p:cNvSpPr>
-            <a:spLocks noGrp="1"/>
-          </p:cNvSpPr>
-          <p:nvPr>
-            <p:ph type="title"/>
-          </p:nvPr>
-        </p:nvSpPr>
-        <p:spPr/>
-        <p:txBody>
-          <a:bodyPr/>
-          <a:lstStyle/>
-          <a:p>
-            <a:r>
-              <a:rPr lang="en-US" dirty="0"/>
-              <a:t>Spring Cloud Service Discovery Client</a:t>
-            </a:r>
-            <a:endParaRPr lang="en-US" dirty="0"/>
-          </a:p>
-        </p:txBody>
-      </p:sp>
-      <p:sp>
-        <p:nvSpPr>
-          <p:cNvPr id="3" name="Content Placeholder 2"/>
-          <p:cNvSpPr>
-            <a:spLocks noGrp="1"/>
-          </p:cNvSpPr>
-          <p:nvPr>
-            <p:ph idx="1"/>
-          </p:nvPr>
-        </p:nvSpPr>
-        <p:spPr/>
-        <p:txBody>
-          <a:bodyPr/>
-          <a:lstStyle/>
-          <a:p>
-            <a:r>
-              <a:rPr lang="en-US" dirty="0" smtClean="0"/>
-              <a:t>Sample </a:t>
-            </a:r>
-            <a:r>
-              <a:rPr lang="en-US" dirty="0" smtClean="0"/>
-              <a:t>code</a:t>
-            </a:r>
-          </a:p>
-          <a:p>
-            <a:endParaRPr lang="en-US" dirty="0" smtClean="0"/>
-          </a:p>
-          <a:p>
-            <a:r>
-              <a:rPr lang="en-US" dirty="0" smtClean="0"/>
-              <a:t>1. Register on dashboard</a:t>
-            </a:r>
-            <a:endParaRPr lang="en-US" dirty="0"/>
-          </a:p>
-          <a:p>
-            <a:pPr marL="0" indent="0">
-              <a:buNone/>
-            </a:pPr>
-            <a:endParaRPr lang="en-US" dirty="0"/>
-          </a:p>
-        </p:txBody>
-      </p:sp>
-    </p:spTree>
-    <p:extLst>
-      <p:ext uri="{BB962C8B-B14F-4D97-AF65-F5344CB8AC3E}">
-        <p14:creationId xmlns:p14="http://schemas.microsoft.com/office/powerpoint/2010/main" val="1205686895"/>
-      </p:ext>
-    </p:extLst>
-  </p:cSld>
-  <p:clrMapOvr>
-    <a:masterClrMapping/>
-  </p:clrMapOvr>
-</p:sld>
-</file>
-
-<file path=ppt/slides/slide16.xml><?xml version="1.0" encoding="utf-8"?>
-<p:sld xmlns:a="http://schemas.openxmlformats.org/drawingml/2006/main" xmlns:r="http://schemas.openxmlformats.org/officeDocument/2006/relationships" xmlns:p="http://schemas.openxmlformats.org/presentationml/2006/main">
-  <p:cSld>
-    <p:spTree>
-      <p:nvGrpSpPr>
-        <p:cNvPr id="1" name=""/>
-        <p:cNvGrpSpPr/>
-        <p:nvPr/>
-      </p:nvGrpSpPr>
-      <p:grpSpPr>
-        <a:xfrm>
-          <a:off x="0" y="0"/>
-          <a:ext cx="0" cy="0"/>
-          <a:chOff x="0" y="0"/>
-          <a:chExt cx="0" cy="0"/>
-        </a:xfrm>
-      </p:grpSpPr>
-      <p:sp>
-        <p:nvSpPr>
-          <p:cNvPr id="2" name="Title 1"/>
-          <p:cNvSpPr>
-            <a:spLocks noGrp="1"/>
-          </p:cNvSpPr>
-          <p:nvPr>
-            <p:ph type="title"/>
-          </p:nvPr>
-        </p:nvSpPr>
-        <p:spPr/>
-        <p:txBody>
-          <a:bodyPr/>
-          <a:lstStyle/>
-          <a:p>
-            <a:r>
-              <a:rPr lang="en-US" dirty="0" smtClean="0"/>
-              <a:t>Spring Cloud Service Discovery</a:t>
-            </a:r>
-            <a:br>
-              <a:rPr lang="en-US" dirty="0" smtClean="0"/>
-            </a:br>
-            <a:r>
-              <a:rPr lang="en-US" dirty="0" smtClean="0"/>
-              <a:t>Client</a:t>
-            </a:r>
-            <a:endParaRPr lang="en-US" dirty="0"/>
-          </a:p>
-        </p:txBody>
-      </p:sp>
-      <p:sp>
-        <p:nvSpPr>
-          <p:cNvPr id="3" name="Content Placeholder 2"/>
-          <p:cNvSpPr>
-            <a:spLocks noGrp="1"/>
-          </p:cNvSpPr>
-          <p:nvPr>
-            <p:ph idx="1"/>
-          </p:nvPr>
-        </p:nvSpPr>
-        <p:spPr/>
-        <p:txBody>
-          <a:bodyPr/>
-          <a:lstStyle/>
-          <a:p>
-            <a:r>
-              <a:rPr lang="en-US" dirty="0" smtClean="0"/>
-              <a:t>FEIGN</a:t>
-            </a:r>
-            <a:endParaRPr lang="en-US" dirty="0"/>
-          </a:p>
-        </p:txBody>
-      </p:sp>
-    </p:spTree>
-    <p:extLst>
-      <p:ext uri="{BB962C8B-B14F-4D97-AF65-F5344CB8AC3E}">
-        <p14:creationId xmlns:p14="http://schemas.microsoft.com/office/powerpoint/2010/main" val="442387467"/>
+        <p14:creationId xmlns:p14="http://schemas.microsoft.com/office/powerpoint/2010/main" xmlns="" val="708278319"/>
       </p:ext>
     </p:extLst>
   </p:cSld>
@@ -6632,6 +6825,10 @@
           <a:bodyPr/>
           <a:lstStyle/>
           <a:p>
+            <a:r>
+              <a:rPr lang="en-US" dirty="0" smtClean="0"/>
+              <a:t>Spring Cloud Service Discovery Server</a:t>
+            </a:r>
             <a:endParaRPr lang="en-US" dirty="0"/>
           </a:p>
         </p:txBody>
@@ -6652,9 +6849,33 @@
           <a:lstStyle/>
           <a:p>
             <a:r>
+              <a:rPr lang="en-US" dirty="0"/>
+              <a:t>Sample </a:t>
+            </a:r>
+            <a:r>
               <a:rPr lang="en-US" dirty="0" smtClean="0"/>
-              <a:t>Sample code</a:t>
-            </a:r>
+              <a:t>code</a:t>
+            </a:r>
+          </a:p>
+          <a:p>
+            <a:pPr marL="0" indent="0">
+              <a:buNone/>
+            </a:pPr>
+            <a:endParaRPr lang="en-US" dirty="0" smtClean="0"/>
+          </a:p>
+          <a:p>
+            <a:pPr>
+              <a:buAutoNum type="arabicPeriod"/>
+            </a:pPr>
+            <a:r>
+              <a:rPr lang="en-US" dirty="0" smtClean="0"/>
+              <a:t>Dashboard</a:t>
+            </a:r>
+          </a:p>
+          <a:p>
+            <a:pPr marL="0" indent="0">
+              <a:buNone/>
+            </a:pPr>
             <a:endParaRPr lang="en-US" dirty="0"/>
           </a:p>
         </p:txBody>
@@ -6662,7 +6883,7 @@
     </p:spTree>
     <p:extLst>
       <p:ext uri="{BB962C8B-B14F-4D97-AF65-F5344CB8AC3E}">
-        <p14:creationId xmlns:p14="http://schemas.microsoft.com/office/powerpoint/2010/main" val="3626251180"/>
+        <p14:creationId xmlns:p14="http://schemas.microsoft.com/office/powerpoint/2010/main" xmlns="" val="2842936504"/>
       </p:ext>
     </p:extLst>
   </p:cSld>
@@ -6704,16 +6925,18 @@
           <a:bodyPr/>
           <a:lstStyle/>
           <a:p>
+            <a:pPr algn="ctr"/>
             <a:r>
               <a:rPr lang="en-US" dirty="0" smtClean="0"/>
-              <a:t>Spring Cloud API Gateway</a:t>
-            </a:r>
-            <a:br>
+              <a:t>Amazing </a:t>
+            </a:r>
+            <a:r>
               <a:rPr lang="en-US" dirty="0" smtClean="0"/>
-            </a:br>
+              <a:t>Netflix </a:t>
+            </a:r>
             <a:r>
               <a:rPr lang="en-US" dirty="0" smtClean="0"/>
-              <a:t>ZULU</a:t>
+              <a:t>Statistics and Facts</a:t>
             </a:r>
             <a:endParaRPr lang="en-US" dirty="0"/>
           </a:p>
@@ -6729,28 +6952,55 @@
             <p:ph idx="1"/>
           </p:nvPr>
         </p:nvSpPr>
-        <p:spPr>
-          <a:xfrm>
-            <a:off x="677334" y="2185527"/>
-            <a:ext cx="8596668" cy="3880773"/>
-          </a:xfrm>
-        </p:spPr>
-        <p:txBody>
-          <a:bodyPr/>
-          <a:lstStyle/>
-          <a:p>
-            <a:r>
-              <a:rPr lang="en-US" dirty="0" smtClean="0"/>
-              <a:t>ZULU</a:t>
-            </a:r>
-            <a:endParaRPr lang="en-US" dirty="0"/>
+        <p:spPr/>
+        <p:txBody>
+          <a:bodyPr/>
+          <a:lstStyle/>
+          <a:p>
+            <a:pPr>
+              <a:buNone/>
+            </a:pPr>
+            <a:endParaRPr lang="en-US" dirty="0" smtClean="0"/>
+          </a:p>
+          <a:p>
+            <a:pPr algn="ctr">
+              <a:buNone/>
+            </a:pPr>
+            <a:r>
+              <a:rPr lang="en-US" sz="2800" dirty="0" smtClean="0"/>
+              <a:t>Number of database servers </a:t>
+            </a:r>
+            <a:r>
+              <a:rPr lang="en-US" sz="2800" dirty="0" smtClean="0"/>
+              <a:t>Netflix </a:t>
+            </a:r>
+            <a:r>
+              <a:rPr lang="en-US" sz="2800" dirty="0" smtClean="0"/>
+              <a:t>lost when AWS rebooted (and it still stayed online): </a:t>
+            </a:r>
+            <a:endParaRPr lang="en-US" sz="2800" dirty="0" smtClean="0"/>
+          </a:p>
+          <a:p>
+            <a:pPr algn="ctr">
+              <a:buNone/>
+            </a:pPr>
+            <a:r>
+              <a:rPr lang="en-US" sz="2800" dirty="0" smtClean="0"/>
+              <a:t>  </a:t>
+            </a:r>
+          </a:p>
+          <a:p>
+            <a:pPr algn="ctr">
+              <a:buNone/>
+            </a:pPr>
+            <a:endParaRPr lang="en-US" sz="2800" dirty="0" smtClean="0"/>
           </a:p>
         </p:txBody>
       </p:sp>
     </p:spTree>
     <p:extLst>
       <p:ext uri="{BB962C8B-B14F-4D97-AF65-F5344CB8AC3E}">
-        <p14:creationId xmlns:p14="http://schemas.microsoft.com/office/powerpoint/2010/main" val="3793546151"/>
+        <p14:creationId xmlns:p14="http://schemas.microsoft.com/office/powerpoint/2010/main" xmlns="" val="2627308617"/>
       </p:ext>
     </p:extLst>
   </p:cSld>
@@ -6792,6 +7042,19 @@
           <a:bodyPr/>
           <a:lstStyle/>
           <a:p>
+            <a:pPr algn="ctr"/>
+            <a:r>
+              <a:rPr lang="en-US" dirty="0" smtClean="0"/>
+              <a:t>Amazing </a:t>
+            </a:r>
+            <a:r>
+              <a:rPr lang="en-US" dirty="0" smtClean="0"/>
+              <a:t>Netflix </a:t>
+            </a:r>
+            <a:r>
+              <a:rPr lang="en-US" dirty="0" smtClean="0"/>
+              <a:t>Statistics and Facts</a:t>
+            </a:r>
             <a:endParaRPr lang="en-US" dirty="0"/>
           </a:p>
         </p:txBody>
@@ -6811,18 +7074,27 @@
           <a:bodyPr/>
           <a:lstStyle/>
           <a:p>
-            <a:r>
-              <a:rPr lang="en-US" dirty="0" smtClean="0"/>
-              <a:t>Sample code</a:t>
-            </a:r>
-            <a:endParaRPr lang="en-US" dirty="0"/>
+            <a:pPr>
+              <a:buNone/>
+            </a:pPr>
+            <a:endParaRPr lang="en-US" dirty="0" smtClean="0"/>
+          </a:p>
+          <a:p>
+            <a:pPr algn="ctr">
+              <a:buNone/>
+            </a:pPr>
+            <a:r>
+              <a:rPr lang="en-US" sz="2800" dirty="0" smtClean="0"/>
+              <a:t>218 were rebooted. 22 Cassandra nodes were on hardware that did not reboot successfully. This led to those Cassandra nodes not coming back online. Our automation detected the failed nodes and replaced them all, with minimal human intervention. </a:t>
+            </a:r>
+            <a:endParaRPr lang="en-US" sz="2800" dirty="0"/>
           </a:p>
         </p:txBody>
       </p:sp>
     </p:spTree>
     <p:extLst>
       <p:ext uri="{BB962C8B-B14F-4D97-AF65-F5344CB8AC3E}">
-        <p14:creationId xmlns:p14="http://schemas.microsoft.com/office/powerpoint/2010/main" val="3465624372"/>
+        <p14:creationId xmlns:p14="http://schemas.microsoft.com/office/powerpoint/2010/main" xmlns="" val="2627308617"/>
       </p:ext>
     </p:extLst>
   </p:cSld>
@@ -6894,7 +7166,7 @@
             <p:ph idx="1"/>
             <p:extLst>
               <p:ext uri="{D42A27DB-BD31-4B8C-83A1-F6EECF244321}">
-                <p14:modId xmlns:p14="http://schemas.microsoft.com/office/powerpoint/2010/main" val="912985957"/>
+                <p14:modId xmlns:p14="http://schemas.microsoft.com/office/powerpoint/2010/main" xmlns="" val="912985957"/>
               </p:ext>
             </p:extLst>
           </p:nvPr>
@@ -6913,14 +7185,14 @@
                 <a:gridCol w="4298156">
                   <a:extLst>
                     <a:ext uri="{9D8B030D-6E8A-4147-A177-3AD203B41FA5}">
-                      <a16:colId xmlns:a16="http://schemas.microsoft.com/office/drawing/2014/main" val="2491954419"/>
+                      <a16:colId xmlns:a16="http://schemas.microsoft.com/office/drawing/2014/main" xmlns="" val="2491954419"/>
                     </a:ext>
                   </a:extLst>
                 </a:gridCol>
                 <a:gridCol w="4298156">
                   <a:extLst>
                     <a:ext uri="{9D8B030D-6E8A-4147-A177-3AD203B41FA5}">
-                      <a16:colId xmlns:a16="http://schemas.microsoft.com/office/drawing/2014/main" val="27409562"/>
+                      <a16:colId xmlns:a16="http://schemas.microsoft.com/office/drawing/2014/main" xmlns="" val="27409562"/>
                     </a:ext>
                   </a:extLst>
                 </a:gridCol>
@@ -6975,7 +7247,7 @@
                 </a:tc>
                 <a:extLst>
                   <a:ext uri="{0D108BD9-81ED-4DB2-BD59-A6C34878D82A}">
-                    <a16:rowId xmlns:a16="http://schemas.microsoft.com/office/drawing/2014/main" val="3418630197"/>
+                    <a16:rowId xmlns:a16="http://schemas.microsoft.com/office/drawing/2014/main" xmlns="" val="3418630197"/>
                   </a:ext>
                 </a:extLst>
               </a:tr>
@@ -7344,7 +7616,7 @@
                 </a:tc>
                 <a:extLst>
                   <a:ext uri="{0D108BD9-81ED-4DB2-BD59-A6C34878D82A}">
-                    <a16:rowId xmlns:a16="http://schemas.microsoft.com/office/drawing/2014/main" val="1038767860"/>
+                    <a16:rowId xmlns:a16="http://schemas.microsoft.com/office/drawing/2014/main" xmlns="" val="1038767860"/>
                   </a:ext>
                 </a:extLst>
               </a:tr>
@@ -7355,7 +7627,7 @@
     </p:spTree>
     <p:extLst>
       <p:ext uri="{BB962C8B-B14F-4D97-AF65-F5344CB8AC3E}">
-        <p14:creationId xmlns:p14="http://schemas.microsoft.com/office/powerpoint/2010/main" val="794592041"/>
+        <p14:creationId xmlns:p14="http://schemas.microsoft.com/office/powerpoint/2010/main" xmlns="" val="794592041"/>
       </p:ext>
     </p:extLst>
   </p:cSld>
@@ -7399,32 +7671,38 @@
           <a:p>
             <a:r>
               <a:rPr lang="en-US" dirty="0" smtClean="0"/>
-              <a:t>Spring Cloud Monitoring</a:t>
-            </a:r>
-            <a:br>
-              <a:rPr lang="en-US" dirty="0" smtClean="0"/>
-            </a:br>
-            <a:r>
-              <a:rPr lang="en-US" dirty="0" err="1" smtClean="0"/>
-              <a:t>Hystrix</a:t>
-            </a:r>
-            <a:r>
-              <a:rPr lang="en-US" dirty="0" smtClean="0"/>
-              <a:t> Dashboard</a:t>
-            </a:r>
+              <a:t>Spring Cloud Service Discovery Client</a:t>
+            </a:r>
+            <a:endParaRPr lang="en-US" dirty="0"/>
+          </a:p>
+        </p:txBody>
+      </p:sp>
+      <p:sp>
+        <p:nvSpPr>
+          <p:cNvPr id="3" name="Content Placeholder 2"/>
+          <p:cNvSpPr>
+            <a:spLocks noGrp="1"/>
+          </p:cNvSpPr>
+          <p:nvPr>
+            <p:ph idx="1"/>
+          </p:nvPr>
+        </p:nvSpPr>
+        <p:spPr/>
+        <p:txBody>
+          <a:bodyPr/>
+          <a:lstStyle/>
+          <a:p>
             <a:endParaRPr lang="en-US" dirty="0"/>
           </a:p>
         </p:txBody>
       </p:sp>
       <p:pic>
         <p:nvPicPr>
-          <p:cNvPr id="4" name="Content Placeholder 3"/>
+          <p:cNvPr id="6" name="Picture 5"/>
           <p:cNvPicPr>
-            <a:picLocks noGrp="1" noChangeAspect="1"/>
+            <a:picLocks noChangeAspect="1"/>
           </p:cNvPicPr>
-          <p:nvPr>
-            <p:ph idx="1"/>
-          </p:nvPr>
+          <p:nvPr/>
         </p:nvPicPr>
         <p:blipFill>
           <a:blip r:embed="rId2"/>
@@ -7434,8 +7712,31 @@
         </p:blipFill>
         <p:spPr>
           <a:xfrm>
-            <a:off x="2051526" y="2160588"/>
-            <a:ext cx="5848985" cy="3881437"/>
+            <a:off x="1261697" y="2686496"/>
+            <a:ext cx="7394689" cy="907695"/>
+          </a:xfrm>
+          <a:prstGeom prst="rect">
+            <a:avLst/>
+          </a:prstGeom>
+        </p:spPr>
+      </p:pic>
+      <p:pic>
+        <p:nvPicPr>
+          <p:cNvPr id="7" name="Picture 6"/>
+          <p:cNvPicPr>
+            <a:picLocks noChangeAspect="1"/>
+          </p:cNvPicPr>
+          <p:nvPr/>
+        </p:nvPicPr>
+        <p:blipFill rotWithShape="1">
+          <a:blip r:embed="rId3"/>
+          <a:srcRect l="402"/>
+          <a:stretch/>
+        </p:blipFill>
+        <p:spPr>
+          <a:xfrm>
+            <a:off x="964275" y="3824380"/>
+            <a:ext cx="8055291" cy="1442673"/>
           </a:xfrm>
           <a:prstGeom prst="rect">
             <a:avLst/>
@@ -7445,7 +7746,7 @@
     </p:spTree>
     <p:extLst>
       <p:ext uri="{BB962C8B-B14F-4D97-AF65-F5344CB8AC3E}">
-        <p14:creationId xmlns:p14="http://schemas.microsoft.com/office/powerpoint/2010/main" val="2860747138"/>
+        <p14:creationId xmlns:p14="http://schemas.microsoft.com/office/powerpoint/2010/main" xmlns="" val="3849140043"/>
       </p:ext>
     </p:extLst>
   </p:cSld>
@@ -7487,6 +7788,10 @@
           <a:bodyPr/>
           <a:lstStyle/>
           <a:p>
+            <a:r>
+              <a:rPr lang="en-US" dirty="0" smtClean="0"/>
+              <a:t>Spring Cloud Service Discovery Client</a:t>
+            </a:r>
             <a:endParaRPr lang="en-US" dirty="0"/>
           </a:p>
         </p:txBody>
@@ -7507,17 +7812,45 @@
           <a:lstStyle/>
           <a:p>
             <a:r>
+              <a:rPr lang="en-US" dirty="0" err="1" smtClean="0"/>
+              <a:t>Config</a:t>
+            </a:r>
+            <a:r>
               <a:rPr lang="en-US" dirty="0" smtClean="0"/>
-              <a:t>Sample code</a:t>
-            </a:r>
-            <a:endParaRPr lang="en-US" dirty="0"/>
-          </a:p>
-        </p:txBody>
-      </p:sp>
+              <a:t> properties</a:t>
+            </a:r>
+            <a:endParaRPr lang="en-US" dirty="0"/>
+          </a:p>
+        </p:txBody>
+      </p:sp>
+      <p:pic>
+        <p:nvPicPr>
+          <p:cNvPr id="4" name="Picture 3"/>
+          <p:cNvPicPr>
+            <a:picLocks noChangeAspect="1"/>
+          </p:cNvPicPr>
+          <p:nvPr/>
+        </p:nvPicPr>
+        <p:blipFill>
+          <a:blip r:embed="rId2"/>
+          <a:stretch>
+            <a:fillRect/>
+          </a:stretch>
+        </p:blipFill>
+        <p:spPr>
+          <a:xfrm>
+            <a:off x="1437203" y="2722850"/>
+            <a:ext cx="7076929" cy="3071120"/>
+          </a:xfrm>
+          <a:prstGeom prst="rect">
+            <a:avLst/>
+          </a:prstGeom>
+        </p:spPr>
+      </p:pic>
     </p:spTree>
     <p:extLst>
       <p:ext uri="{BB962C8B-B14F-4D97-AF65-F5344CB8AC3E}">
-        <p14:creationId xmlns:p14="http://schemas.microsoft.com/office/powerpoint/2010/main" val="2293393113"/>
+        <p14:creationId xmlns:p14="http://schemas.microsoft.com/office/powerpoint/2010/main" xmlns="" val="3017230674"/>
       </p:ext>
     </p:extLst>
   </p:cSld>
@@ -7559,7 +7892,10 @@
           <a:bodyPr/>
           <a:lstStyle/>
           <a:p>
-            <a:endParaRPr lang="en-US" dirty="0"/>
+            <a:r>
+              <a:rPr lang="en-US" dirty="0"/>
+              <a:t>Spring Cloud Service Discovery Client</a:t>
+            </a:r>
           </a:p>
         </p:txBody>
       </p:sp>
@@ -7578,25 +7914,742 @@
           <a:bodyPr/>
           <a:lstStyle/>
           <a:p>
+            <a:r>
+              <a:rPr lang="en-US" dirty="0" smtClean="0"/>
+              <a:t>Sample code</a:t>
+            </a:r>
+          </a:p>
+          <a:p>
             <a:endParaRPr lang="en-US" dirty="0" smtClean="0"/>
           </a:p>
           <a:p>
-            <a:endParaRPr lang="en-US" dirty="0"/>
-          </a:p>
-          <a:p>
-            <a:pPr lvl="7" algn="ctr"/>
-            <a:r>
-              <a:rPr lang="en-US" sz="6600" dirty="0" smtClean="0"/>
-              <a:t>Questions?</a:t>
-            </a:r>
-            <a:endParaRPr lang="en-US" sz="6600" dirty="0"/>
+            <a:r>
+              <a:rPr lang="en-US" dirty="0" smtClean="0"/>
+              <a:t>1. Register on </a:t>
+            </a:r>
+            <a:r>
+              <a:rPr lang="en-US" dirty="0" smtClean="0"/>
+              <a:t>dashboard</a:t>
+            </a:r>
           </a:p>
         </p:txBody>
       </p:sp>
     </p:spTree>
     <p:extLst>
       <p:ext uri="{BB962C8B-B14F-4D97-AF65-F5344CB8AC3E}">
-        <p14:creationId xmlns:p14="http://schemas.microsoft.com/office/powerpoint/2010/main" val="2443376373"/>
+        <p14:creationId xmlns:p14="http://schemas.microsoft.com/office/powerpoint/2010/main" xmlns="" val="1205686895"/>
+      </p:ext>
+    </p:extLst>
+  </p:cSld>
+  <p:clrMapOvr>
+    <a:masterClrMapping/>
+  </p:clrMapOvr>
+</p:sld>
+</file>
+
+<file path=ppt/slides/slide23.xml><?xml version="1.0" encoding="utf-8"?>
+<p:sld xmlns:a="http://schemas.openxmlformats.org/drawingml/2006/main" xmlns:r="http://schemas.openxmlformats.org/officeDocument/2006/relationships" xmlns:p="http://schemas.openxmlformats.org/presentationml/2006/main">
+  <p:cSld>
+    <p:spTree>
+      <p:nvGrpSpPr>
+        <p:cNvPr id="1" name=""/>
+        <p:cNvGrpSpPr/>
+        <p:nvPr/>
+      </p:nvGrpSpPr>
+      <p:grpSpPr>
+        <a:xfrm>
+          <a:off x="0" y="0"/>
+          <a:ext cx="0" cy="0"/>
+          <a:chOff x="0" y="0"/>
+          <a:chExt cx="0" cy="0"/>
+        </a:xfrm>
+      </p:grpSpPr>
+      <p:sp>
+        <p:nvSpPr>
+          <p:cNvPr id="2" name="Title 1"/>
+          <p:cNvSpPr>
+            <a:spLocks noGrp="1"/>
+          </p:cNvSpPr>
+          <p:nvPr>
+            <p:ph type="title"/>
+          </p:nvPr>
+        </p:nvSpPr>
+        <p:spPr/>
+        <p:txBody>
+          <a:bodyPr/>
+          <a:lstStyle/>
+          <a:p>
+            <a:r>
+              <a:rPr lang="en-US" dirty="0"/>
+              <a:t>Spring Cloud Service Discovery Client</a:t>
+            </a:r>
+          </a:p>
+        </p:txBody>
+      </p:sp>
+      <p:sp>
+        <p:nvSpPr>
+          <p:cNvPr id="3" name="Content Placeholder 2"/>
+          <p:cNvSpPr>
+            <a:spLocks noGrp="1"/>
+          </p:cNvSpPr>
+          <p:nvPr>
+            <p:ph idx="1"/>
+          </p:nvPr>
+        </p:nvSpPr>
+        <p:spPr/>
+        <p:txBody>
+          <a:bodyPr/>
+          <a:lstStyle/>
+          <a:p>
+            <a:endParaRPr lang="en-US" dirty="0" smtClean="0"/>
+          </a:p>
+          <a:p>
+            <a:endParaRPr lang="en-US" dirty="0" smtClean="0"/>
+          </a:p>
+          <a:p>
+            <a:endParaRPr lang="en-US" dirty="0" smtClean="0"/>
+          </a:p>
+          <a:p>
+            <a:pPr algn="ctr"/>
+            <a:r>
+              <a:rPr lang="en-US" sz="3600" dirty="0" smtClean="0"/>
+              <a:t>How to find the  URL address.</a:t>
+            </a:r>
+            <a:endParaRPr lang="en-US" sz="3600" dirty="0" smtClean="0"/>
+          </a:p>
+        </p:txBody>
+      </p:sp>
+    </p:spTree>
+    <p:extLst>
+      <p:ext uri="{BB962C8B-B14F-4D97-AF65-F5344CB8AC3E}">
+        <p14:creationId xmlns:p14="http://schemas.microsoft.com/office/powerpoint/2010/main" xmlns="" val="1205686895"/>
+      </p:ext>
+    </p:extLst>
+  </p:cSld>
+  <p:clrMapOvr>
+    <a:masterClrMapping/>
+  </p:clrMapOvr>
+</p:sld>
+</file>
+
+<file path=ppt/slides/slide24.xml><?xml version="1.0" encoding="utf-8"?>
+<p:sld xmlns:a="http://schemas.openxmlformats.org/drawingml/2006/main" xmlns:r="http://schemas.openxmlformats.org/officeDocument/2006/relationships" xmlns:p="http://schemas.openxmlformats.org/presentationml/2006/main">
+  <p:cSld>
+    <p:spTree>
+      <p:nvGrpSpPr>
+        <p:cNvPr id="1" name=""/>
+        <p:cNvGrpSpPr/>
+        <p:nvPr/>
+      </p:nvGrpSpPr>
+      <p:grpSpPr>
+        <a:xfrm>
+          <a:off x="0" y="0"/>
+          <a:ext cx="0" cy="0"/>
+          <a:chOff x="0" y="0"/>
+          <a:chExt cx="0" cy="0"/>
+        </a:xfrm>
+      </p:grpSpPr>
+      <p:sp>
+        <p:nvSpPr>
+          <p:cNvPr id="2" name="Title 1"/>
+          <p:cNvSpPr>
+            <a:spLocks noGrp="1"/>
+          </p:cNvSpPr>
+          <p:nvPr>
+            <p:ph type="title"/>
+          </p:nvPr>
+        </p:nvSpPr>
+        <p:spPr/>
+        <p:txBody>
+          <a:bodyPr/>
+          <a:lstStyle/>
+          <a:p>
+            <a:r>
+              <a:rPr lang="en-US" dirty="0" smtClean="0"/>
+              <a:t>Spring Cloud Service </a:t>
+            </a:r>
+            <a:r>
+              <a:rPr lang="en-US" dirty="0" smtClean="0"/>
+              <a:t>Discovery Client</a:t>
+            </a:r>
+            <a:endParaRPr lang="en-US" dirty="0"/>
+          </a:p>
+        </p:txBody>
+      </p:sp>
+      <p:sp>
+        <p:nvSpPr>
+          <p:cNvPr id="5" name="Содержимое 4"/>
+          <p:cNvSpPr>
+            <a:spLocks noGrp="1"/>
+          </p:cNvSpPr>
+          <p:nvPr>
+            <p:ph idx="1"/>
+          </p:nvPr>
+        </p:nvSpPr>
+        <p:spPr/>
+        <p:txBody>
+          <a:bodyPr/>
+          <a:lstStyle/>
+          <a:p>
+            <a:r>
+              <a:rPr lang="en-US" dirty="0" smtClean="0"/>
+              <a:t>Spring implementation</a:t>
+            </a:r>
+          </a:p>
+          <a:p>
+            <a:endParaRPr lang="en-US" dirty="0" smtClean="0"/>
+          </a:p>
+          <a:p>
+            <a:endParaRPr lang="ru-RU" dirty="0"/>
+          </a:p>
+        </p:txBody>
+      </p:sp>
+      <p:pic>
+        <p:nvPicPr>
+          <p:cNvPr id="2050" name="Picture 2"/>
+          <p:cNvPicPr>
+            <a:picLocks noChangeAspect="1" noChangeArrowheads="1"/>
+          </p:cNvPicPr>
+          <p:nvPr/>
+        </p:nvPicPr>
+        <p:blipFill>
+          <a:blip r:embed="rId2"/>
+          <a:srcRect/>
+          <a:stretch>
+            <a:fillRect/>
+          </a:stretch>
+        </p:blipFill>
+        <p:spPr bwMode="auto">
+          <a:xfrm>
+            <a:off x="1813560" y="2691765"/>
+            <a:ext cx="7315200" cy="2343150"/>
+          </a:xfrm>
+          <a:prstGeom prst="rect">
+            <a:avLst/>
+          </a:prstGeom>
+          <a:noFill/>
+          <a:ln w="9525">
+            <a:noFill/>
+            <a:miter lim="800000"/>
+            <a:headEnd/>
+            <a:tailEnd/>
+          </a:ln>
+        </p:spPr>
+      </p:pic>
+    </p:spTree>
+    <p:extLst>
+      <p:ext uri="{BB962C8B-B14F-4D97-AF65-F5344CB8AC3E}">
+        <p14:creationId xmlns:p14="http://schemas.microsoft.com/office/powerpoint/2010/main" xmlns="" val="442387467"/>
+      </p:ext>
+    </p:extLst>
+  </p:cSld>
+  <p:clrMapOvr>
+    <a:masterClrMapping/>
+  </p:clrMapOvr>
+</p:sld>
+</file>
+
+<file path=ppt/slides/slide25.xml><?xml version="1.0" encoding="utf-8"?>
+<p:sld xmlns:a="http://schemas.openxmlformats.org/drawingml/2006/main" xmlns:r="http://schemas.openxmlformats.org/officeDocument/2006/relationships" xmlns:p="http://schemas.openxmlformats.org/presentationml/2006/main">
+  <p:cSld>
+    <p:spTree>
+      <p:nvGrpSpPr>
+        <p:cNvPr id="1" name=""/>
+        <p:cNvGrpSpPr/>
+        <p:nvPr/>
+      </p:nvGrpSpPr>
+      <p:grpSpPr>
+        <a:xfrm>
+          <a:off x="0" y="0"/>
+          <a:ext cx="0" cy="0"/>
+          <a:chOff x="0" y="0"/>
+          <a:chExt cx="0" cy="0"/>
+        </a:xfrm>
+      </p:grpSpPr>
+      <p:sp>
+        <p:nvSpPr>
+          <p:cNvPr id="2" name="Title 1"/>
+          <p:cNvSpPr>
+            <a:spLocks noGrp="1"/>
+          </p:cNvSpPr>
+          <p:nvPr>
+            <p:ph type="title"/>
+          </p:nvPr>
+        </p:nvSpPr>
+        <p:spPr/>
+        <p:txBody>
+          <a:bodyPr/>
+          <a:lstStyle/>
+          <a:p>
+            <a:r>
+              <a:rPr lang="en-US" dirty="0" smtClean="0"/>
+              <a:t>Spring Cloud Service </a:t>
+            </a:r>
+            <a:r>
+              <a:rPr lang="en-US" dirty="0" smtClean="0"/>
+              <a:t>Discovery Client</a:t>
+            </a:r>
+            <a:endParaRPr lang="en-US" dirty="0"/>
+          </a:p>
+        </p:txBody>
+      </p:sp>
+      <p:sp>
+        <p:nvSpPr>
+          <p:cNvPr id="5" name="Содержимое 4"/>
+          <p:cNvSpPr>
+            <a:spLocks noGrp="1"/>
+          </p:cNvSpPr>
+          <p:nvPr>
+            <p:ph idx="1"/>
+          </p:nvPr>
+        </p:nvSpPr>
+        <p:spPr/>
+        <p:txBody>
+          <a:bodyPr/>
+          <a:lstStyle/>
+          <a:p>
+            <a:r>
+              <a:rPr lang="en-US" dirty="0" smtClean="0"/>
+              <a:t>Spring implementation</a:t>
+            </a:r>
+          </a:p>
+          <a:p>
+            <a:endParaRPr lang="en-US" dirty="0" smtClean="0"/>
+          </a:p>
+          <a:p>
+            <a:endParaRPr lang="ru-RU" dirty="0"/>
+          </a:p>
+        </p:txBody>
+      </p:sp>
+      <p:pic>
+        <p:nvPicPr>
+          <p:cNvPr id="6" name="Picture 2"/>
+          <p:cNvPicPr>
+            <a:picLocks noChangeAspect="1" noChangeArrowheads="1"/>
+          </p:cNvPicPr>
+          <p:nvPr/>
+        </p:nvPicPr>
+        <p:blipFill>
+          <a:blip r:embed="rId2"/>
+          <a:srcRect/>
+          <a:stretch>
+            <a:fillRect/>
+          </a:stretch>
+        </p:blipFill>
+        <p:spPr bwMode="auto">
+          <a:xfrm>
+            <a:off x="1424146" y="2862104"/>
+            <a:ext cx="7757954" cy="2321372"/>
+          </a:xfrm>
+          <a:prstGeom prst="rect">
+            <a:avLst/>
+          </a:prstGeom>
+          <a:noFill/>
+          <a:ln w="9525">
+            <a:noFill/>
+            <a:miter lim="800000"/>
+            <a:headEnd/>
+            <a:tailEnd/>
+          </a:ln>
+        </p:spPr>
+      </p:pic>
+    </p:spTree>
+    <p:extLst>
+      <p:ext uri="{BB962C8B-B14F-4D97-AF65-F5344CB8AC3E}">
+        <p14:creationId xmlns:p14="http://schemas.microsoft.com/office/powerpoint/2010/main" xmlns="" val="442387467"/>
+      </p:ext>
+    </p:extLst>
+  </p:cSld>
+  <p:clrMapOvr>
+    <a:masterClrMapping/>
+  </p:clrMapOvr>
+</p:sld>
+</file>
+
+<file path=ppt/slides/slide26.xml><?xml version="1.0" encoding="utf-8"?>
+<p:sld xmlns:a="http://schemas.openxmlformats.org/drawingml/2006/main" xmlns:r="http://schemas.openxmlformats.org/officeDocument/2006/relationships" xmlns:p="http://schemas.openxmlformats.org/presentationml/2006/main">
+  <p:cSld>
+    <p:spTree>
+      <p:nvGrpSpPr>
+        <p:cNvPr id="1" name=""/>
+        <p:cNvGrpSpPr/>
+        <p:nvPr/>
+      </p:nvGrpSpPr>
+      <p:grpSpPr>
+        <a:xfrm>
+          <a:off x="0" y="0"/>
+          <a:ext cx="0" cy="0"/>
+          <a:chOff x="0" y="0"/>
+          <a:chExt cx="0" cy="0"/>
+        </a:xfrm>
+      </p:grpSpPr>
+      <p:sp>
+        <p:nvSpPr>
+          <p:cNvPr id="2" name="Title 1"/>
+          <p:cNvSpPr>
+            <a:spLocks noGrp="1"/>
+          </p:cNvSpPr>
+          <p:nvPr>
+            <p:ph type="title"/>
+          </p:nvPr>
+        </p:nvSpPr>
+        <p:spPr/>
+        <p:txBody>
+          <a:bodyPr/>
+          <a:lstStyle/>
+          <a:p>
+            <a:r>
+              <a:rPr lang="en-US" dirty="0" smtClean="0"/>
+              <a:t>Spring Cloud Service </a:t>
+            </a:r>
+            <a:r>
+              <a:rPr lang="en-US" dirty="0" smtClean="0"/>
+              <a:t>Discovery Client</a:t>
+            </a:r>
+            <a:endParaRPr lang="en-US" dirty="0"/>
+          </a:p>
+        </p:txBody>
+      </p:sp>
+      <p:sp>
+        <p:nvSpPr>
+          <p:cNvPr id="5" name="Содержимое 4"/>
+          <p:cNvSpPr>
+            <a:spLocks noGrp="1"/>
+          </p:cNvSpPr>
+          <p:nvPr>
+            <p:ph idx="1"/>
+          </p:nvPr>
+        </p:nvSpPr>
+        <p:spPr/>
+        <p:txBody>
+          <a:bodyPr/>
+          <a:lstStyle/>
+          <a:p>
+            <a:r>
+              <a:rPr lang="en-US" dirty="0" smtClean="0"/>
+              <a:t>Feign client</a:t>
+            </a:r>
+          </a:p>
+          <a:p>
+            <a:endParaRPr lang="en-US" dirty="0" smtClean="0"/>
+          </a:p>
+          <a:p>
+            <a:endParaRPr lang="ru-RU" dirty="0"/>
+          </a:p>
+        </p:txBody>
+      </p:sp>
+      <p:pic>
+        <p:nvPicPr>
+          <p:cNvPr id="3074" name="Picture 2"/>
+          <p:cNvPicPr>
+            <a:picLocks noChangeAspect="1" noChangeArrowheads="1"/>
+          </p:cNvPicPr>
+          <p:nvPr/>
+        </p:nvPicPr>
+        <p:blipFill>
+          <a:blip r:embed="rId2"/>
+          <a:srcRect/>
+          <a:stretch>
+            <a:fillRect/>
+          </a:stretch>
+        </p:blipFill>
+        <p:spPr bwMode="auto">
+          <a:xfrm>
+            <a:off x="1721168" y="2738438"/>
+            <a:ext cx="6448425" cy="1381125"/>
+          </a:xfrm>
+          <a:prstGeom prst="rect">
+            <a:avLst/>
+          </a:prstGeom>
+          <a:noFill/>
+          <a:ln w="9525">
+            <a:noFill/>
+            <a:miter lim="800000"/>
+            <a:headEnd/>
+            <a:tailEnd/>
+          </a:ln>
+        </p:spPr>
+      </p:pic>
+    </p:spTree>
+    <p:extLst>
+      <p:ext uri="{BB962C8B-B14F-4D97-AF65-F5344CB8AC3E}">
+        <p14:creationId xmlns:p14="http://schemas.microsoft.com/office/powerpoint/2010/main" xmlns="" val="442387467"/>
+      </p:ext>
+    </p:extLst>
+  </p:cSld>
+  <p:clrMapOvr>
+    <a:masterClrMapping/>
+  </p:clrMapOvr>
+</p:sld>
+</file>
+
+<file path=ppt/slides/slide27.xml><?xml version="1.0" encoding="utf-8"?>
+<p:sld xmlns:a="http://schemas.openxmlformats.org/drawingml/2006/main" xmlns:r="http://schemas.openxmlformats.org/officeDocument/2006/relationships" xmlns:p="http://schemas.openxmlformats.org/presentationml/2006/main">
+  <p:cSld>
+    <p:spTree>
+      <p:nvGrpSpPr>
+        <p:cNvPr id="1" name=""/>
+        <p:cNvGrpSpPr/>
+        <p:nvPr/>
+      </p:nvGrpSpPr>
+      <p:grpSpPr>
+        <a:xfrm>
+          <a:off x="0" y="0"/>
+          <a:ext cx="0" cy="0"/>
+          <a:chOff x="0" y="0"/>
+          <a:chExt cx="0" cy="0"/>
+        </a:xfrm>
+      </p:grpSpPr>
+      <p:sp>
+        <p:nvSpPr>
+          <p:cNvPr id="2" name="Title 1"/>
+          <p:cNvSpPr>
+            <a:spLocks noGrp="1"/>
+          </p:cNvSpPr>
+          <p:nvPr>
+            <p:ph type="title"/>
+          </p:nvPr>
+        </p:nvSpPr>
+        <p:spPr/>
+        <p:txBody>
+          <a:bodyPr/>
+          <a:lstStyle/>
+          <a:p>
+            <a:endParaRPr lang="en-US" dirty="0"/>
+          </a:p>
+        </p:txBody>
+      </p:sp>
+      <p:sp>
+        <p:nvSpPr>
+          <p:cNvPr id="3" name="Content Placeholder 2"/>
+          <p:cNvSpPr>
+            <a:spLocks noGrp="1"/>
+          </p:cNvSpPr>
+          <p:nvPr>
+            <p:ph idx="1"/>
+          </p:nvPr>
+        </p:nvSpPr>
+        <p:spPr/>
+        <p:txBody>
+          <a:bodyPr/>
+          <a:lstStyle/>
+          <a:p>
+            <a:r>
+              <a:rPr lang="en-US" dirty="0" smtClean="0"/>
+              <a:t>Sample </a:t>
+            </a:r>
+            <a:r>
+              <a:rPr lang="en-US" dirty="0" smtClean="0"/>
+              <a:t>code</a:t>
+            </a:r>
+          </a:p>
+          <a:p>
+            <a:r>
+              <a:rPr lang="en-US" dirty="0" smtClean="0"/>
+              <a:t>1. Feign client </a:t>
+            </a:r>
+            <a:r>
+              <a:rPr lang="en-US" dirty="0" err="1" smtClean="0"/>
+              <a:t>impl</a:t>
+            </a:r>
+            <a:r>
+              <a:rPr lang="en-US" dirty="0" smtClean="0"/>
+              <a:t>.</a:t>
+            </a:r>
+          </a:p>
+          <a:p>
+            <a:r>
+              <a:rPr lang="en-US" dirty="0" smtClean="0"/>
+              <a:t>2. </a:t>
+            </a:r>
+            <a:r>
+              <a:rPr lang="en-US" dirty="0" smtClean="0">
+                <a:solidFill>
+                  <a:srgbClr val="FF0000"/>
+                </a:solidFill>
+              </a:rPr>
+              <a:t>Circuit </a:t>
+            </a:r>
+            <a:r>
+              <a:rPr lang="en-US" dirty="0" smtClean="0">
+                <a:solidFill>
+                  <a:srgbClr val="FF0000"/>
+                </a:solidFill>
+              </a:rPr>
+              <a:t>Breakers - </a:t>
+            </a:r>
+            <a:r>
+              <a:rPr lang="en-US" dirty="0" smtClean="0"/>
+              <a:t>Fallback method</a:t>
+            </a:r>
+            <a:endParaRPr lang="en-US" dirty="0"/>
+          </a:p>
+        </p:txBody>
+      </p:sp>
+    </p:spTree>
+    <p:extLst>
+      <p:ext uri="{BB962C8B-B14F-4D97-AF65-F5344CB8AC3E}">
+        <p14:creationId xmlns:p14="http://schemas.microsoft.com/office/powerpoint/2010/main" xmlns="" val="3626251180"/>
+      </p:ext>
+    </p:extLst>
+  </p:cSld>
+  <p:clrMapOvr>
+    <a:masterClrMapping/>
+  </p:clrMapOvr>
+</p:sld>
+</file>
+
+<file path=ppt/slides/slide28.xml><?xml version="1.0" encoding="utf-8"?>
+<p:sld xmlns:a="http://schemas.openxmlformats.org/drawingml/2006/main" xmlns:r="http://schemas.openxmlformats.org/officeDocument/2006/relationships" xmlns:p="http://schemas.openxmlformats.org/presentationml/2006/main">
+  <p:cSld>
+    <p:spTree>
+      <p:nvGrpSpPr>
+        <p:cNvPr id="1" name=""/>
+        <p:cNvGrpSpPr/>
+        <p:nvPr/>
+      </p:nvGrpSpPr>
+      <p:grpSpPr>
+        <a:xfrm>
+          <a:off x="0" y="0"/>
+          <a:ext cx="0" cy="0"/>
+          <a:chOff x="0" y="0"/>
+          <a:chExt cx="0" cy="0"/>
+        </a:xfrm>
+      </p:grpSpPr>
+      <p:sp>
+        <p:nvSpPr>
+          <p:cNvPr id="2" name="Title 1"/>
+          <p:cNvSpPr>
+            <a:spLocks noGrp="1"/>
+          </p:cNvSpPr>
+          <p:nvPr>
+            <p:ph type="title"/>
+          </p:nvPr>
+        </p:nvSpPr>
+        <p:spPr/>
+        <p:txBody>
+          <a:bodyPr/>
+          <a:lstStyle/>
+          <a:p>
+            <a:r>
+              <a:rPr lang="en-US" dirty="0" smtClean="0"/>
+              <a:t>Spring Cloud API Gateway</a:t>
+            </a:r>
+            <a:br>
+              <a:rPr lang="en-US" dirty="0" smtClean="0"/>
+            </a:br>
+            <a:r>
+              <a:rPr lang="en-US" dirty="0" smtClean="0"/>
+              <a:t>ZULU</a:t>
+            </a:r>
+            <a:endParaRPr lang="en-US" dirty="0"/>
+          </a:p>
+        </p:txBody>
+      </p:sp>
+      <p:sp>
+        <p:nvSpPr>
+          <p:cNvPr id="3" name="Content Placeholder 2"/>
+          <p:cNvSpPr>
+            <a:spLocks noGrp="1"/>
+          </p:cNvSpPr>
+          <p:nvPr>
+            <p:ph idx="1"/>
+          </p:nvPr>
+        </p:nvSpPr>
+        <p:spPr>
+          <a:xfrm>
+            <a:off x="677334" y="2185527"/>
+            <a:ext cx="8596668" cy="3880773"/>
+          </a:xfrm>
+        </p:spPr>
+        <p:txBody>
+          <a:bodyPr/>
+          <a:lstStyle/>
+          <a:p>
+            <a:r>
+              <a:rPr lang="en-US" dirty="0" smtClean="0"/>
+              <a:t>ZULU</a:t>
+            </a:r>
+            <a:endParaRPr lang="en-US" dirty="0"/>
+          </a:p>
+        </p:txBody>
+      </p:sp>
+    </p:spTree>
+    <p:extLst>
+      <p:ext uri="{BB962C8B-B14F-4D97-AF65-F5344CB8AC3E}">
+        <p14:creationId xmlns:p14="http://schemas.microsoft.com/office/powerpoint/2010/main" xmlns="" val="3793546151"/>
+      </p:ext>
+    </p:extLst>
+  </p:cSld>
+  <p:clrMapOvr>
+    <a:masterClrMapping/>
+  </p:clrMapOvr>
+</p:sld>
+</file>
+
+<file path=ppt/slides/slide29.xml><?xml version="1.0" encoding="utf-8"?>
+<p:sld xmlns:a="http://schemas.openxmlformats.org/drawingml/2006/main" xmlns:r="http://schemas.openxmlformats.org/officeDocument/2006/relationships" xmlns:p="http://schemas.openxmlformats.org/presentationml/2006/main">
+  <p:cSld>
+    <p:spTree>
+      <p:nvGrpSpPr>
+        <p:cNvPr id="1" name=""/>
+        <p:cNvGrpSpPr/>
+        <p:nvPr/>
+      </p:nvGrpSpPr>
+      <p:grpSpPr>
+        <a:xfrm>
+          <a:off x="0" y="0"/>
+          <a:ext cx="0" cy="0"/>
+          <a:chOff x="0" y="0"/>
+          <a:chExt cx="0" cy="0"/>
+        </a:xfrm>
+      </p:grpSpPr>
+      <p:sp>
+        <p:nvSpPr>
+          <p:cNvPr id="2" name="Title 1"/>
+          <p:cNvSpPr>
+            <a:spLocks noGrp="1"/>
+          </p:cNvSpPr>
+          <p:nvPr>
+            <p:ph type="title"/>
+          </p:nvPr>
+        </p:nvSpPr>
+        <p:spPr/>
+        <p:txBody>
+          <a:bodyPr/>
+          <a:lstStyle/>
+          <a:p>
+            <a:endParaRPr lang="en-US" dirty="0"/>
+          </a:p>
+        </p:txBody>
+      </p:sp>
+      <p:sp>
+        <p:nvSpPr>
+          <p:cNvPr id="3" name="Content Placeholder 2"/>
+          <p:cNvSpPr>
+            <a:spLocks noGrp="1"/>
+          </p:cNvSpPr>
+          <p:nvPr>
+            <p:ph idx="1"/>
+          </p:nvPr>
+        </p:nvSpPr>
+        <p:spPr/>
+        <p:txBody>
+          <a:bodyPr/>
+          <a:lstStyle/>
+          <a:p>
+            <a:r>
+              <a:rPr lang="en-US" dirty="0" smtClean="0"/>
+              <a:t>Sample code</a:t>
+            </a:r>
+            <a:endParaRPr lang="en-US" dirty="0"/>
+          </a:p>
+        </p:txBody>
+      </p:sp>
+    </p:spTree>
+    <p:extLst>
+      <p:ext uri="{BB962C8B-B14F-4D97-AF65-F5344CB8AC3E}">
+        <p14:creationId xmlns:p14="http://schemas.microsoft.com/office/powerpoint/2010/main" xmlns="" val="3465624372"/>
       </p:ext>
     </p:extLst>
   </p:cSld>
@@ -7719,18 +8772,12 @@
             </a:r>
           </a:p>
           <a:p>
-            <a:pPr marL="0" indent="0">
-              <a:buNone/>
-            </a:pPr>
-            <a:endParaRPr lang="en-US" dirty="0" smtClean="0">
-              <a:solidFill>
-                <a:srgbClr val="FF0000"/>
-              </a:solidFill>
-            </a:endParaRPr>
-          </a:p>
-          <a:p>
-            <a:r>
-              <a:rPr lang="en-US" dirty="0" smtClean="0"/>
+            <a:r>
+              <a:rPr lang="en-US" dirty="0" smtClean="0">
+                <a:solidFill>
+                  <a:srgbClr val="FF0000"/>
+                </a:solidFill>
+              </a:rPr>
               <a:t>Routing</a:t>
             </a:r>
             <a:endParaRPr lang="en-US" dirty="0">
@@ -7741,9 +8788,24 @@
           </a:p>
           <a:p>
             <a:r>
-              <a:rPr lang="en-US" dirty="0"/>
-              <a:t>Circuit Breakers</a:t>
-            </a:r>
+              <a:rPr lang="en-US" dirty="0">
+                <a:solidFill>
+                  <a:srgbClr val="FF0000"/>
+                </a:solidFill>
+              </a:rPr>
+              <a:t>Circuit </a:t>
+            </a:r>
+            <a:r>
+              <a:rPr lang="en-US" dirty="0" smtClean="0">
+                <a:solidFill>
+                  <a:srgbClr val="FF0000"/>
+                </a:solidFill>
+              </a:rPr>
+              <a:t>Breakers</a:t>
+            </a:r>
+          </a:p>
+          <a:p>
+            <a:endParaRPr lang="en-US" dirty="0"/>
           </a:p>
           <a:p>
             <a:r>
@@ -7774,7 +8836,248 @@
     </p:spTree>
     <p:extLst>
       <p:ext uri="{BB962C8B-B14F-4D97-AF65-F5344CB8AC3E}">
-        <p14:creationId xmlns:p14="http://schemas.microsoft.com/office/powerpoint/2010/main" val="4156409364"/>
+        <p14:creationId xmlns:p14="http://schemas.microsoft.com/office/powerpoint/2010/main" xmlns="" val="4156409364"/>
+      </p:ext>
+    </p:extLst>
+  </p:cSld>
+  <p:clrMapOvr>
+    <a:masterClrMapping/>
+  </p:clrMapOvr>
+</p:sld>
+</file>
+
+<file path=ppt/slides/slide30.xml><?xml version="1.0" encoding="utf-8"?>
+<p:sld xmlns:a="http://schemas.openxmlformats.org/drawingml/2006/main" xmlns:r="http://schemas.openxmlformats.org/officeDocument/2006/relationships" xmlns:p="http://schemas.openxmlformats.org/presentationml/2006/main">
+  <p:cSld>
+    <p:spTree>
+      <p:nvGrpSpPr>
+        <p:cNvPr id="1" name=""/>
+        <p:cNvGrpSpPr/>
+        <p:nvPr/>
+      </p:nvGrpSpPr>
+      <p:grpSpPr>
+        <a:xfrm>
+          <a:off x="0" y="0"/>
+          <a:ext cx="0" cy="0"/>
+          <a:chOff x="0" y="0"/>
+          <a:chExt cx="0" cy="0"/>
+        </a:xfrm>
+      </p:grpSpPr>
+      <p:sp>
+        <p:nvSpPr>
+          <p:cNvPr id="2" name="Title 1"/>
+          <p:cNvSpPr>
+            <a:spLocks noGrp="1"/>
+          </p:cNvSpPr>
+          <p:nvPr>
+            <p:ph type="title"/>
+          </p:nvPr>
+        </p:nvSpPr>
+        <p:spPr/>
+        <p:txBody>
+          <a:bodyPr/>
+          <a:lstStyle/>
+          <a:p>
+            <a:r>
+              <a:rPr lang="en-US" dirty="0" smtClean="0"/>
+              <a:t>Spring Cloud Monitoring</a:t>
+            </a:r>
+            <a:br>
+              <a:rPr lang="en-US" dirty="0" smtClean="0"/>
+            </a:br>
+            <a:r>
+              <a:rPr lang="en-US" dirty="0" err="1" smtClean="0"/>
+              <a:t>Hystrix</a:t>
+            </a:r>
+            <a:r>
+              <a:rPr lang="en-US" dirty="0" smtClean="0"/>
+              <a:t> Dashboard</a:t>
+            </a:r>
+            <a:endParaRPr lang="en-US" dirty="0"/>
+          </a:p>
+        </p:txBody>
+      </p:sp>
+      <p:pic>
+        <p:nvPicPr>
+          <p:cNvPr id="4" name="Content Placeholder 3"/>
+          <p:cNvPicPr>
+            <a:picLocks noGrp="1" noChangeAspect="1"/>
+          </p:cNvPicPr>
+          <p:nvPr>
+            <p:ph idx="1"/>
+          </p:nvPr>
+        </p:nvPicPr>
+        <p:blipFill>
+          <a:blip r:embed="rId2"/>
+          <a:stretch>
+            <a:fillRect/>
+          </a:stretch>
+        </p:blipFill>
+        <p:spPr>
+          <a:xfrm>
+            <a:off x="2051526" y="2160588"/>
+            <a:ext cx="5848985" cy="3881437"/>
+          </a:xfrm>
+          <a:prstGeom prst="rect">
+            <a:avLst/>
+          </a:prstGeom>
+        </p:spPr>
+      </p:pic>
+    </p:spTree>
+    <p:extLst>
+      <p:ext uri="{BB962C8B-B14F-4D97-AF65-F5344CB8AC3E}">
+        <p14:creationId xmlns:p14="http://schemas.microsoft.com/office/powerpoint/2010/main" xmlns="" val="2860747138"/>
+      </p:ext>
+    </p:extLst>
+  </p:cSld>
+  <p:clrMapOvr>
+    <a:masterClrMapping/>
+  </p:clrMapOvr>
+</p:sld>
+</file>
+
+<file path=ppt/slides/slide31.xml><?xml version="1.0" encoding="utf-8"?>
+<p:sld xmlns:a="http://schemas.openxmlformats.org/drawingml/2006/main" xmlns:r="http://schemas.openxmlformats.org/officeDocument/2006/relationships" xmlns:p="http://schemas.openxmlformats.org/presentationml/2006/main">
+  <p:cSld>
+    <p:spTree>
+      <p:nvGrpSpPr>
+        <p:cNvPr id="1" name=""/>
+        <p:cNvGrpSpPr/>
+        <p:nvPr/>
+      </p:nvGrpSpPr>
+      <p:grpSpPr>
+        <a:xfrm>
+          <a:off x="0" y="0"/>
+          <a:ext cx="0" cy="0"/>
+          <a:chOff x="0" y="0"/>
+          <a:chExt cx="0" cy="0"/>
+        </a:xfrm>
+      </p:grpSpPr>
+      <p:sp>
+        <p:nvSpPr>
+          <p:cNvPr id="2" name="Title 1"/>
+          <p:cNvSpPr>
+            <a:spLocks noGrp="1"/>
+          </p:cNvSpPr>
+          <p:nvPr>
+            <p:ph type="title"/>
+          </p:nvPr>
+        </p:nvSpPr>
+        <p:spPr/>
+        <p:txBody>
+          <a:bodyPr/>
+          <a:lstStyle/>
+          <a:p>
+            <a:endParaRPr lang="en-US" dirty="0"/>
+          </a:p>
+        </p:txBody>
+      </p:sp>
+      <p:sp>
+        <p:nvSpPr>
+          <p:cNvPr id="3" name="Content Placeholder 2"/>
+          <p:cNvSpPr>
+            <a:spLocks noGrp="1"/>
+          </p:cNvSpPr>
+          <p:nvPr>
+            <p:ph idx="1"/>
+          </p:nvPr>
+        </p:nvSpPr>
+        <p:spPr/>
+        <p:txBody>
+          <a:bodyPr/>
+          <a:lstStyle/>
+          <a:p>
+            <a:r>
+              <a:rPr lang="en-US" dirty="0" smtClean="0"/>
+              <a:t>Sample code</a:t>
+            </a:r>
+            <a:endParaRPr lang="en-US" dirty="0"/>
+          </a:p>
+        </p:txBody>
+      </p:sp>
+    </p:spTree>
+    <p:extLst>
+      <p:ext uri="{BB962C8B-B14F-4D97-AF65-F5344CB8AC3E}">
+        <p14:creationId xmlns:p14="http://schemas.microsoft.com/office/powerpoint/2010/main" xmlns="" val="2293393113"/>
+      </p:ext>
+    </p:extLst>
+  </p:cSld>
+  <p:clrMapOvr>
+    <a:masterClrMapping/>
+  </p:clrMapOvr>
+</p:sld>
+</file>
+
+<file path=ppt/slides/slide32.xml><?xml version="1.0" encoding="utf-8"?>
+<p:sld xmlns:a="http://schemas.openxmlformats.org/drawingml/2006/main" xmlns:r="http://schemas.openxmlformats.org/officeDocument/2006/relationships" xmlns:p="http://schemas.openxmlformats.org/presentationml/2006/main">
+  <p:cSld>
+    <p:spTree>
+      <p:nvGrpSpPr>
+        <p:cNvPr id="1" name=""/>
+        <p:cNvGrpSpPr/>
+        <p:nvPr/>
+      </p:nvGrpSpPr>
+      <p:grpSpPr>
+        <a:xfrm>
+          <a:off x="0" y="0"/>
+          <a:ext cx="0" cy="0"/>
+          <a:chOff x="0" y="0"/>
+          <a:chExt cx="0" cy="0"/>
+        </a:xfrm>
+      </p:grpSpPr>
+      <p:sp>
+        <p:nvSpPr>
+          <p:cNvPr id="2" name="Title 1"/>
+          <p:cNvSpPr>
+            <a:spLocks noGrp="1"/>
+          </p:cNvSpPr>
+          <p:nvPr>
+            <p:ph type="title"/>
+          </p:nvPr>
+        </p:nvSpPr>
+        <p:spPr/>
+        <p:txBody>
+          <a:bodyPr/>
+          <a:lstStyle/>
+          <a:p>
+            <a:endParaRPr lang="en-US" dirty="0"/>
+          </a:p>
+        </p:txBody>
+      </p:sp>
+      <p:sp>
+        <p:nvSpPr>
+          <p:cNvPr id="3" name="Content Placeholder 2"/>
+          <p:cNvSpPr>
+            <a:spLocks noGrp="1"/>
+          </p:cNvSpPr>
+          <p:nvPr>
+            <p:ph idx="1"/>
+          </p:nvPr>
+        </p:nvSpPr>
+        <p:spPr/>
+        <p:txBody>
+          <a:bodyPr/>
+          <a:lstStyle/>
+          <a:p>
+            <a:endParaRPr lang="en-US" dirty="0" smtClean="0"/>
+          </a:p>
+          <a:p>
+            <a:endParaRPr lang="en-US" dirty="0"/>
+          </a:p>
+          <a:p>
+            <a:pPr lvl="7" algn="ctr"/>
+            <a:r>
+              <a:rPr lang="en-US" sz="6600" dirty="0" smtClean="0"/>
+              <a:t>Questions?</a:t>
+            </a:r>
+            <a:endParaRPr lang="en-US" sz="6600" dirty="0"/>
+          </a:p>
+        </p:txBody>
+      </p:sp>
+    </p:spTree>
+    <p:extLst>
+      <p:ext uri="{BB962C8B-B14F-4D97-AF65-F5344CB8AC3E}">
+        <p14:creationId xmlns:p14="http://schemas.microsoft.com/office/powerpoint/2010/main" xmlns="" val="2443376373"/>
       </p:ext>
     </p:extLst>
   </p:cSld>
@@ -7890,7 +9193,7 @@
     </p:spTree>
     <p:extLst>
       <p:ext uri="{BB962C8B-B14F-4D97-AF65-F5344CB8AC3E}">
-        <p14:creationId xmlns:p14="http://schemas.microsoft.com/office/powerpoint/2010/main" val="2411732628"/>
+        <p14:creationId xmlns:p14="http://schemas.microsoft.com/office/powerpoint/2010/main" xmlns="" val="2411732628"/>
       </p:ext>
     </p:extLst>
   </p:cSld>
@@ -7965,8 +9268,8 @@
         </p:nvSpPr>
         <p:spPr bwMode="auto">
           <a:xfrm>
-            <a:off x="2429200" y="1559285"/>
-            <a:ext cx="5092933" cy="2062103"/>
+            <a:off x="2429200" y="1513119"/>
+            <a:ext cx="5092933" cy="2154436"/>
           </a:xfrm>
           <a:prstGeom prst="rect">
             <a:avLst/>
@@ -7980,7 +9283,7 @@
           <a:effectLst/>
           <a:extLst>
             <a:ext uri="{91240B29-F687-4F45-9708-019B960494DF}">
-              <a14:hiddenLine xmlns:a14="http://schemas.microsoft.com/office/drawing/2010/main" w="9525">
+              <a14:hiddenLine xmlns:a14="http://schemas.microsoft.com/office/drawing/2010/main" xmlns="" w="9525">
                 <a:solidFill>
                   <a:schemeClr val="tx1"/>
                 </a:solidFill>
@@ -7990,7 +9293,7 @@
               </a14:hiddenLine>
             </a:ext>
             <a:ext uri="{AF507438-7753-43E0-B8FC-AC1667EBCBE1}">
-              <a14:hiddenEffects xmlns:a14="http://schemas.microsoft.com/office/drawing/2010/main">
+              <a14:hiddenEffects xmlns:a14="http://schemas.microsoft.com/office/drawing/2010/main" xmlns="">
                 <a:effectLst>
                   <a:outerShdw dist="35921" dir="2700000" algn="ctr" rotWithShape="0">
                     <a:schemeClr val="bg2"/>
@@ -8204,6 +9507,50 @@
             </a:endParaRPr>
           </a:p>
           <a:p>
+            <a:pPr marL="0" marR="0" lvl="0" indent="0" algn="ctr" defTabSz="914400" rtl="0" eaLnBrk="0" fontAlgn="base" latinLnBrk="0" hangingPunct="0">
+              <a:lnSpc>
+                <a:spcPct val="100000"/>
+              </a:lnSpc>
+              <a:spcBef>
+                <a:spcPct val="0"/>
+              </a:spcBef>
+              <a:spcAft>
+                <a:spcPct val="0"/>
+              </a:spcAft>
+              <a:buClrTx/>
+              <a:buSzTx/>
+              <a:buFontTx/>
+              <a:buNone/>
+              <a:tabLst/>
+            </a:pPr>
+            <a:r>
+              <a:rPr kumimoji="0" lang="en-US" altLang="en-US" sz="2400" b="0" i="0" u="none" strike="noStrike" cap="none" normalizeH="0" baseline="0" dirty="0" smtClean="0">
+                <a:ln>
+                  <a:noFill/>
+                </a:ln>
+                <a:solidFill>
+                  <a:schemeClr val="tx1"/>
+                </a:solidFill>
+                <a:effectLst/>
+                <a:latin typeface="Droid Sans Mono"/>
+              </a:rPr>
+              <a:t>/{</a:t>
+            </a:r>
+            <a:r>
+              <a:rPr kumimoji="0" lang="en-US" altLang="en-US" sz="2400" b="0" i="0" u="none" strike="noStrike" cap="none" normalizeH="0" baseline="0" dirty="0" smtClean="0">
+                <a:ln>
+                  <a:noFill/>
+                </a:ln>
+                <a:solidFill>
+                  <a:schemeClr val="tx1"/>
+                </a:solidFill>
+                <a:effectLst/>
+                <a:latin typeface="Droid Sans Mono"/>
+              </a:rPr>
+              <a:t>application}/{profile}[/{label}]</a:t>
+            </a:r>
+          </a:p>
+          <a:p>
             <a:pPr marL="0" marR="0" lvl="0" indent="0" algn="l" defTabSz="914400" rtl="0" eaLnBrk="0" fontAlgn="base" latinLnBrk="0" hangingPunct="0">
               <a:lnSpc>
                 <a:spcPct val="100000"/>
@@ -8220,32 +9567,16 @@
               <a:buNone/>
               <a:tabLst/>
             </a:pPr>
-            <a:r>
-              <a:rPr kumimoji="0" lang="en-US" altLang="en-US" b="0" i="0" u="none" strike="noStrike" cap="none" normalizeH="0" baseline="0" dirty="0" smtClean="0">
-                <a:ln>
-                  <a:noFill/>
-                </a:ln>
-                <a:solidFill>
-                  <a:schemeClr val="tx1"/>
-                </a:solidFill>
-                <a:effectLst/>
-                <a:latin typeface="Droid Sans Mono"/>
-              </a:rPr>
-              <a:t>	/{application}/{profile}[/{label</a:t>
-            </a:r>
-            <a:r>
-              <a:rPr kumimoji="0" lang="en-US" altLang="en-US" b="0" i="0" u="none" strike="noStrike" cap="none" normalizeH="0" baseline="0" dirty="0" smtClean="0">
-                <a:ln>
-                  <a:noFill/>
-                </a:ln>
-                <a:solidFill>
-                  <a:schemeClr val="tx1"/>
-                </a:solidFill>
-                <a:effectLst/>
-                <a:latin typeface="Droid Sans Mono"/>
-              </a:rPr>
-              <a:t>}]</a:t>
-            </a:r>
+            <a:endParaRPr kumimoji="0" lang="en-US" altLang="en-US" b="0" i="0" u="none" strike="noStrike" cap="none" normalizeH="0" baseline="0" dirty="0" smtClean="0">
+              <a:ln>
+                <a:noFill/>
+              </a:ln>
+              <a:solidFill>
+                <a:schemeClr val="tx1"/>
+              </a:solidFill>
+              <a:effectLst/>
+              <a:latin typeface="Droid Sans Mono"/>
+            </a:endParaRPr>
           </a:p>
           <a:p>
             <a:pPr marL="0" marR="0" lvl="0" indent="0" algn="l" defTabSz="914400" rtl="0" eaLnBrk="0" fontAlgn="base" latinLnBrk="0" hangingPunct="0">
@@ -8264,16 +9595,58 @@
               <a:buNone/>
               <a:tabLst/>
             </a:pPr>
-            <a:endParaRPr kumimoji="0" lang="en-US" altLang="en-US" b="0" i="0" u="none" strike="noStrike" cap="none" normalizeH="0" baseline="0" dirty="0" smtClean="0">
-              <a:ln>
-                <a:noFill/>
-              </a:ln>
-              <a:solidFill>
-                <a:schemeClr val="tx1"/>
-              </a:solidFill>
-              <a:effectLst/>
-              <a:latin typeface="Droid Sans Mono"/>
-            </a:endParaRPr>
+            <a:r>
+              <a:rPr kumimoji="0" lang="en-US" altLang="en-US" b="0" i="0" u="none" strike="noStrike" cap="none" normalizeH="0" baseline="0" dirty="0" smtClean="0">
+                <a:ln>
+                  <a:noFill/>
+                </a:ln>
+                <a:solidFill>
+                  <a:schemeClr val="tx1"/>
+                </a:solidFill>
+                <a:effectLst/>
+                <a:latin typeface="Droid Sans Mono"/>
+              </a:rPr>
+              <a:t>	</a:t>
+            </a:r>
+            <a:r>
+              <a:rPr kumimoji="0" lang="en-US" altLang="en-US" sz="1400" b="0" i="0" u="none" strike="noStrike" cap="none" normalizeH="0" baseline="0" dirty="0" smtClean="0">
+                <a:ln>
+                  <a:noFill/>
+                </a:ln>
+                <a:solidFill>
+                  <a:schemeClr val="tx1"/>
+                </a:solidFill>
+                <a:effectLst/>
+                <a:latin typeface="Droid Sans Mono"/>
+              </a:rPr>
+              <a:t>/{application}-{profile}.</a:t>
+            </a:r>
+            <a:r>
+              <a:rPr kumimoji="0" lang="en-US" altLang="en-US" sz="1400" b="0" i="0" u="none" strike="noStrike" cap="none" normalizeH="0" baseline="0" dirty="0" err="1" smtClean="0">
+                <a:ln>
+                  <a:noFill/>
+                </a:ln>
+                <a:solidFill>
+                  <a:schemeClr val="tx1"/>
+                </a:solidFill>
+                <a:effectLst/>
+                <a:latin typeface="Droid Sans Mono"/>
+              </a:rPr>
+              <a:t>yml</a:t>
+            </a:r>
+            <a:r>
+              <a:rPr kumimoji="0" lang="en-US" altLang="en-US" sz="1400" b="0" i="0" u="none" strike="noStrike" cap="none" normalizeH="0" baseline="0" dirty="0" smtClean="0">
+                <a:ln>
+                  <a:noFill/>
+                </a:ln>
+                <a:solidFill>
+                  <a:schemeClr val="tx1"/>
+                </a:solidFill>
+                <a:effectLst/>
+                <a:latin typeface="Droid Sans Mono"/>
+              </a:rPr>
+              <a:t> /{label}</a:t>
+            </a:r>
           </a:p>
           <a:p>
             <a:pPr marL="0" marR="0" lvl="0" indent="0" algn="l" defTabSz="914400" rtl="0" eaLnBrk="0" fontAlgn="base" latinLnBrk="0" hangingPunct="0">
@@ -8293,19 +9666,6 @@
               <a:tabLst/>
             </a:pPr>
             <a:r>
-              <a:rPr kumimoji="0" lang="en-US" altLang="en-US" b="0" i="0" u="none" strike="noStrike" cap="none" normalizeH="0" baseline="0" dirty="0" smtClean="0">
-                <a:ln>
-                  <a:noFill/>
-                </a:ln>
-                <a:solidFill>
-                  <a:schemeClr val="tx1"/>
-                </a:solidFill>
-                <a:effectLst/>
-                <a:latin typeface="Droid Sans Mono"/>
-              </a:rPr>
-              <a:t>	</a:t>
-            </a:r>
-            <a:r>
               <a:rPr kumimoji="0" lang="en-US" altLang="en-US" sz="1400" b="0" i="0" u="none" strike="noStrike" cap="none" normalizeH="0" baseline="0" dirty="0" smtClean="0">
                 <a:ln>
                   <a:noFill/>
@@ -8316,7 +9676,7 @@
                 <a:effectLst/>
                 <a:latin typeface="Droid Sans Mono"/>
               </a:rPr>
-              <a:t>/{application}-{profile}.</a:t>
+              <a:t>	/{application}-{profile}.</a:t>
             </a:r>
             <a:r>
               <a:rPr kumimoji="0" lang="en-US" altLang="en-US" sz="1400" b="0" i="0" u="none" strike="noStrike" cap="none" normalizeH="0" baseline="0" dirty="0" err="1" smtClean="0">
@@ -8331,19 +9691,16 @@
               </a:rPr>
               <a:t>yml</a:t>
             </a:r>
-            <a:r>
-              <a:rPr kumimoji="0" lang="en-US" altLang="en-US" sz="1400" b="0" i="0" u="none" strike="noStrike" cap="none" normalizeH="0" baseline="0" dirty="0" smtClean="0">
-                <a:ln>
-                  <a:noFill/>
-                </a:ln>
-                <a:solidFill>
-                  <a:schemeClr val="tx1"/>
-                </a:solidFill>
-                <a:effectLst/>
-                <a:latin typeface="Droid Sans Mono"/>
-              </a:rPr>
-              <a:t> /{label}</a:t>
-            </a:r>
+            <a:endParaRPr kumimoji="0" lang="en-US" altLang="en-US" sz="1400" b="0" i="0" u="none" strike="noStrike" cap="none" normalizeH="0" baseline="0" dirty="0" smtClean="0">
+              <a:ln>
+                <a:noFill/>
+              </a:ln>
+              <a:solidFill>
+                <a:schemeClr val="tx1"/>
+              </a:solidFill>
+              <a:effectLst/>
+              <a:latin typeface="Droid Sans Mono"/>
+            </a:endParaRPr>
           </a:p>
           <a:p>
             <a:pPr marL="0" marR="0" lvl="0" indent="0" algn="l" defTabSz="914400" rtl="0" eaLnBrk="0" fontAlgn="base" latinLnBrk="0" hangingPunct="0">
@@ -8373,31 +9730,8 @@
                 <a:effectLst/>
                 <a:latin typeface="Droid Sans Mono"/>
               </a:rPr>
-              <a:t>	/{application}-{profile}.</a:t>
-            </a:r>
-            <a:r>
-              <a:rPr kumimoji="0" lang="en-US" altLang="en-US" sz="1400" b="0" i="0" u="none" strike="noStrike" cap="none" normalizeH="0" baseline="0" dirty="0" err="1" smtClean="0">
-                <a:ln>
-                  <a:noFill/>
-                </a:ln>
-                <a:solidFill>
-                  <a:schemeClr val="tx1"/>
-                </a:solidFill>
-                <a:effectLst/>
-                <a:latin typeface="Droid Sans Mono"/>
-              </a:rPr>
-              <a:t>yml</a:t>
-            </a:r>
-            <a:endParaRPr kumimoji="0" lang="en-US" altLang="en-US" sz="1400" b="0" i="0" u="none" strike="noStrike" cap="none" normalizeH="0" baseline="0" dirty="0" smtClean="0">
-              <a:ln>
-                <a:noFill/>
-              </a:ln>
-              <a:solidFill>
-                <a:schemeClr val="tx1"/>
-              </a:solidFill>
-              <a:effectLst/>
-              <a:latin typeface="Droid Sans Mono"/>
-            </a:endParaRPr>
+              <a:t>	/{application}-{profile}.properties /{label}</a:t>
+            </a:r>
           </a:p>
           <a:p>
             <a:pPr marL="0" marR="0" lvl="0" indent="0" algn="l" defTabSz="914400" rtl="0" eaLnBrk="0" fontAlgn="base" latinLnBrk="0" hangingPunct="0">
@@ -8427,37 +9761,6 @@
                 <a:effectLst/>
                 <a:latin typeface="Droid Sans Mono"/>
               </a:rPr>
-              <a:t>	/{application}-{profile}.properties /{label}</a:t>
-            </a:r>
-          </a:p>
-          <a:p>
-            <a:pPr marL="0" marR="0" lvl="0" indent="0" algn="l" defTabSz="914400" rtl="0" eaLnBrk="0" fontAlgn="base" latinLnBrk="0" hangingPunct="0">
-              <a:lnSpc>
-                <a:spcPct val="100000"/>
-              </a:lnSpc>
-              <a:spcBef>
-                <a:spcPct val="0"/>
-              </a:spcBef>
-              <a:spcAft>
-                <a:spcPct val="0"/>
-              </a:spcAft>
-              <a:buClrTx/>
-              <a:buSzTx/>
-              <a:buFontTx/>
-              <a:buNone/>
-              <a:tabLst/>
-            </a:pPr>
-            <a:r>
-              <a:rPr kumimoji="0" lang="en-US" altLang="en-US" sz="1400" b="0" i="0" u="none" strike="noStrike" cap="none" normalizeH="0" baseline="0" dirty="0" smtClean="0">
-                <a:ln>
-                  <a:noFill/>
-                </a:ln>
-                <a:solidFill>
-                  <a:schemeClr val="tx1"/>
-                </a:solidFill>
-                <a:effectLst/>
-                <a:latin typeface="Droid Sans Mono"/>
-              </a:rPr>
               <a:t>	/{application}-{profile}.properties</a:t>
             </a:r>
             <a:endParaRPr kumimoji="0" lang="en-US" altLang="en-US" sz="1400" b="0" i="0" u="none" strike="noStrike" cap="none" normalizeH="0" baseline="0" dirty="0" smtClean="0">
@@ -8475,7 +9778,7 @@
     </p:spTree>
     <p:extLst>
       <p:ext uri="{BB962C8B-B14F-4D97-AF65-F5344CB8AC3E}">
-        <p14:creationId xmlns:p14="http://schemas.microsoft.com/office/powerpoint/2010/main" val="2708294781"/>
+        <p14:creationId xmlns:p14="http://schemas.microsoft.com/office/powerpoint/2010/main" xmlns="" val="2708294781"/>
       </p:ext>
     </p:extLst>
   </p:cSld>
@@ -8550,26 +9853,71 @@
           <a:p>
             <a:r>
               <a:rPr lang="en-US" dirty="0" smtClean="0"/>
-              <a:t>Sample </a:t>
-            </a:r>
+              <a:t>Sample code</a:t>
+            </a:r>
+          </a:p>
+          <a:p>
+            <a:endParaRPr lang="en-US" dirty="0"/>
+          </a:p>
+          <a:p>
             <a:r>
               <a:rPr lang="en-US" dirty="0" smtClean="0"/>
-              <a:t>code</a:t>
-            </a:r>
-          </a:p>
-          <a:p>
-            <a:endParaRPr lang="en-US" dirty="0"/>
-          </a:p>
-          <a:p>
+              <a:t>1. Local storage </a:t>
+            </a:r>
             <a:r>
               <a:rPr lang="en-US" dirty="0" smtClean="0"/>
-              <a:t>1. Local storage configuration</a:t>
+              <a:t>configuration</a:t>
             </a:r>
           </a:p>
           <a:p>
             <a:r>
               <a:rPr lang="en-US" dirty="0" smtClean="0"/>
-              <a:t>2. </a:t>
+              <a:t>2.Profile </a:t>
+            </a:r>
+          </a:p>
+          <a:p>
+            <a:pPr lvl="1"/>
+            <a:r>
+              <a:rPr lang="en-US" u="sng" dirty="0" smtClean="0"/>
+              <a:t>http://localhost:8088/config/client-rest/</a:t>
+            </a:r>
+            <a:r>
+              <a:rPr lang="en-US" sz="2000" u="sng" dirty="0" smtClean="0"/>
+              <a:t>dev</a:t>
+            </a:r>
+            <a:r>
+              <a:rPr lang="en-US" u="sng" dirty="0" smtClean="0"/>
+              <a:t>/</a:t>
+            </a:r>
+          </a:p>
+          <a:p>
+            <a:pPr lvl="1"/>
+            <a:r>
+              <a:rPr lang="en-US" u="sng" dirty="0" smtClean="0"/>
+              <a:t>http://</a:t>
+            </a:r>
+            <a:r>
+              <a:rPr lang="en-US" u="sng" dirty="0" smtClean="0"/>
+              <a:t>localhost:8088/config/client-rest/</a:t>
+            </a:r>
+            <a:r>
+              <a:rPr lang="en-US" sz="2000" u="sng" dirty="0" smtClean="0"/>
+              <a:t>default</a:t>
+            </a:r>
+            <a:r>
+              <a:rPr lang="en-US" u="sng" dirty="0" smtClean="0"/>
+              <a:t>/</a:t>
+            </a:r>
+            <a:endParaRPr lang="en-US" u="sng" dirty="0" smtClean="0"/>
+          </a:p>
+          <a:p>
+            <a:r>
+              <a:rPr lang="en-US" dirty="0" smtClean="0"/>
+              <a:t>3</a:t>
+            </a:r>
+            <a:r>
+              <a:rPr lang="en-US" dirty="0" smtClean="0"/>
+              <a:t>. </a:t>
             </a:r>
             <a:r>
               <a:rPr lang="en-US" dirty="0" err="1" smtClean="0"/>
@@ -8581,10 +9929,17 @@
             </a:r>
             <a:r>
               <a:rPr lang="en-US" dirty="0"/>
-              <a:t>storage configuration</a:t>
-            </a:r>
-          </a:p>
-          <a:p>
+              <a:t>storage </a:t>
+            </a:r>
+            <a:r>
+              <a:rPr lang="en-US" dirty="0" smtClean="0"/>
+              <a:t>configuration</a:t>
+            </a:r>
+          </a:p>
+          <a:p>
+            <a:pPr>
+              <a:buNone/>
+            </a:pPr>
             <a:endParaRPr lang="en-US" dirty="0"/>
           </a:p>
         </p:txBody>
@@ -8592,7 +9947,7 @@
     </p:spTree>
     <p:extLst>
       <p:ext uri="{BB962C8B-B14F-4D97-AF65-F5344CB8AC3E}">
-        <p14:creationId xmlns:p14="http://schemas.microsoft.com/office/powerpoint/2010/main" val="2627308617"/>
+        <p14:creationId xmlns:p14="http://schemas.microsoft.com/office/powerpoint/2010/main" xmlns="" val="2627308617"/>
       </p:ext>
     </p:extLst>
   </p:cSld>
@@ -8603,6 +9958,299 @@
 </file>
 
 <file path=ppt/slides/slide7.xml><?xml version="1.0" encoding="utf-8"?>
+<p:sld xmlns:a="http://schemas.openxmlformats.org/drawingml/2006/main" xmlns:r="http://schemas.openxmlformats.org/officeDocument/2006/relationships" xmlns:p="http://schemas.openxmlformats.org/presentationml/2006/main">
+  <p:cSld>
+    <p:spTree>
+      <p:nvGrpSpPr>
+        <p:cNvPr id="1" name=""/>
+        <p:cNvGrpSpPr/>
+        <p:nvPr/>
+      </p:nvGrpSpPr>
+      <p:grpSpPr>
+        <a:xfrm>
+          <a:off x="0" y="0"/>
+          <a:ext cx="0" cy="0"/>
+          <a:chOff x="0" y="0"/>
+          <a:chExt cx="0" cy="0"/>
+        </a:xfrm>
+      </p:grpSpPr>
+      <p:sp>
+        <p:nvSpPr>
+          <p:cNvPr id="2" name="Title 1"/>
+          <p:cNvSpPr>
+            <a:spLocks noGrp="1"/>
+          </p:cNvSpPr>
+          <p:nvPr>
+            <p:ph type="title"/>
+          </p:nvPr>
+        </p:nvSpPr>
+        <p:spPr/>
+        <p:txBody>
+          <a:bodyPr/>
+          <a:lstStyle/>
+          <a:p>
+            <a:pPr algn="ctr"/>
+            <a:r>
+              <a:rPr lang="en-US" dirty="0" smtClean="0"/>
+              <a:t>Amazing </a:t>
+            </a:r>
+            <a:r>
+              <a:rPr lang="en-US" dirty="0" smtClean="0"/>
+              <a:t>Netflix </a:t>
+            </a:r>
+            <a:r>
+              <a:rPr lang="en-US" dirty="0" smtClean="0"/>
+              <a:t>Statistics and Facts</a:t>
+            </a:r>
+            <a:endParaRPr lang="en-US" dirty="0"/>
+          </a:p>
+        </p:txBody>
+      </p:sp>
+      <p:sp>
+        <p:nvSpPr>
+          <p:cNvPr id="3" name="Content Placeholder 2"/>
+          <p:cNvSpPr>
+            <a:spLocks noGrp="1"/>
+          </p:cNvSpPr>
+          <p:nvPr>
+            <p:ph idx="1"/>
+          </p:nvPr>
+        </p:nvSpPr>
+        <p:spPr/>
+        <p:txBody>
+          <a:bodyPr/>
+          <a:lstStyle/>
+          <a:p>
+            <a:pPr>
+              <a:buNone/>
+            </a:pPr>
+            <a:endParaRPr lang="en-US" dirty="0" smtClean="0"/>
+          </a:p>
+          <a:p>
+            <a:pPr algn="ctr">
+              <a:buNone/>
+            </a:pPr>
+            <a:r>
+              <a:rPr lang="en-US" sz="2800" dirty="0" smtClean="0"/>
+              <a:t>Total </a:t>
+            </a:r>
+            <a:r>
+              <a:rPr lang="en-US" sz="2800" dirty="0" smtClean="0"/>
+              <a:t>number of </a:t>
+            </a:r>
+            <a:r>
+              <a:rPr lang="en-US" sz="2800" dirty="0" smtClean="0"/>
+              <a:t>Netflix </a:t>
+            </a:r>
+            <a:r>
+              <a:rPr lang="en-US" sz="2800" dirty="0" smtClean="0"/>
+              <a:t>subscribers: </a:t>
+            </a:r>
+            <a:endParaRPr lang="en-US" sz="2800" dirty="0" smtClean="0"/>
+          </a:p>
+          <a:p>
+            <a:pPr algn="ctr">
+              <a:buNone/>
+            </a:pPr>
+            <a:endParaRPr lang="en-US" sz="2800" dirty="0" smtClean="0"/>
+          </a:p>
+          <a:p>
+            <a:pPr algn="ctr">
+              <a:buNone/>
+            </a:pPr>
+            <a:r>
+              <a:rPr lang="en-US" sz="2800" dirty="0" smtClean="0"/>
+              <a:t>	</a:t>
+            </a:r>
+          </a:p>
+          <a:p>
+            <a:pPr algn="ctr">
+              <a:buNone/>
+            </a:pPr>
+            <a:r>
+              <a:rPr lang="en-US" sz="2800" dirty="0" smtClean="0"/>
+              <a:t>		</a:t>
+            </a:r>
+          </a:p>
+          <a:p>
+            <a:pPr algn="ctr">
+              <a:buNone/>
+            </a:pPr>
+            <a:r>
+              <a:rPr lang="en-US" sz="2800" dirty="0" smtClean="0"/>
+              <a:t>Last </a:t>
+            </a:r>
+            <a:r>
+              <a:rPr lang="en-US" sz="2800" dirty="0" smtClean="0"/>
+              <a:t>updated </a:t>
+            </a:r>
+            <a:r>
+              <a:rPr lang="en-US" sz="2800" dirty="0" smtClean="0"/>
+              <a:t>18/ 04 /2016</a:t>
+            </a:r>
+            <a:endParaRPr lang="en-US" sz="2800" dirty="0"/>
+          </a:p>
+        </p:txBody>
+      </p:sp>
+    </p:spTree>
+    <p:extLst>
+      <p:ext uri="{BB962C8B-B14F-4D97-AF65-F5344CB8AC3E}">
+        <p14:creationId xmlns:p14="http://schemas.microsoft.com/office/powerpoint/2010/main" xmlns="" val="2627308617"/>
+      </p:ext>
+    </p:extLst>
+  </p:cSld>
+  <p:clrMapOvr>
+    <a:masterClrMapping/>
+  </p:clrMapOvr>
+</p:sld>
+</file>
+
+<file path=ppt/slides/slide8.xml><?xml version="1.0" encoding="utf-8"?>
+<p:sld xmlns:a="http://schemas.openxmlformats.org/drawingml/2006/main" xmlns:r="http://schemas.openxmlformats.org/officeDocument/2006/relationships" xmlns:p="http://schemas.openxmlformats.org/presentationml/2006/main">
+  <p:cSld>
+    <p:spTree>
+      <p:nvGrpSpPr>
+        <p:cNvPr id="1" name=""/>
+        <p:cNvGrpSpPr/>
+        <p:nvPr/>
+      </p:nvGrpSpPr>
+      <p:grpSpPr>
+        <a:xfrm>
+          <a:off x="0" y="0"/>
+          <a:ext cx="0" cy="0"/>
+          <a:chOff x="0" y="0"/>
+          <a:chExt cx="0" cy="0"/>
+        </a:xfrm>
+      </p:grpSpPr>
+      <p:sp>
+        <p:nvSpPr>
+          <p:cNvPr id="2" name="Title 1"/>
+          <p:cNvSpPr>
+            <a:spLocks noGrp="1"/>
+          </p:cNvSpPr>
+          <p:nvPr>
+            <p:ph type="title"/>
+          </p:nvPr>
+        </p:nvSpPr>
+        <p:spPr/>
+        <p:txBody>
+          <a:bodyPr/>
+          <a:lstStyle/>
+          <a:p>
+            <a:pPr algn="ctr"/>
+            <a:r>
+              <a:rPr lang="en-US" dirty="0" smtClean="0"/>
+              <a:t>Amazing Netflix Statistics and Facts</a:t>
+            </a:r>
+            <a:endParaRPr lang="en-US" dirty="0"/>
+          </a:p>
+        </p:txBody>
+      </p:sp>
+      <p:sp>
+        <p:nvSpPr>
+          <p:cNvPr id="3" name="Content Placeholder 2"/>
+          <p:cNvSpPr>
+            <a:spLocks noGrp="1"/>
+          </p:cNvSpPr>
+          <p:nvPr>
+            <p:ph idx="1"/>
+          </p:nvPr>
+        </p:nvSpPr>
+        <p:spPr/>
+        <p:txBody>
+          <a:bodyPr/>
+          <a:lstStyle/>
+          <a:p>
+            <a:pPr>
+              <a:buNone/>
+            </a:pPr>
+            <a:endParaRPr lang="en-US" dirty="0" smtClean="0"/>
+          </a:p>
+          <a:p>
+            <a:pPr algn="ctr">
+              <a:buNone/>
+            </a:pPr>
+            <a:r>
+              <a:rPr lang="en-US" sz="2800" dirty="0" smtClean="0"/>
+              <a:t>Total </a:t>
+            </a:r>
+            <a:r>
+              <a:rPr lang="en-US" sz="2800" dirty="0" smtClean="0"/>
+              <a:t>number of </a:t>
+            </a:r>
+            <a:r>
+              <a:rPr lang="en-US" sz="2800" dirty="0" smtClean="0"/>
+              <a:t>Netflix </a:t>
+            </a:r>
+            <a:r>
+              <a:rPr lang="en-US" sz="2800" dirty="0" smtClean="0"/>
+              <a:t>subscribers: </a:t>
+            </a:r>
+            <a:endParaRPr lang="en-US" sz="2800" dirty="0" smtClean="0"/>
+          </a:p>
+          <a:p>
+            <a:pPr algn="ctr">
+              <a:buNone/>
+            </a:pPr>
+            <a:endParaRPr lang="en-US" sz="2800" dirty="0" smtClean="0"/>
+          </a:p>
+          <a:p>
+            <a:pPr algn="ctr">
+              <a:buNone/>
+            </a:pPr>
+            <a:r>
+              <a:rPr lang="en-US" sz="2800" dirty="0" smtClean="0"/>
+              <a:t>81 </a:t>
+            </a:r>
+            <a:r>
+              <a:rPr lang="en-US" sz="2800" dirty="0" smtClean="0"/>
+              <a:t>million subscribers </a:t>
+            </a:r>
+            <a:endParaRPr lang="en-US" sz="2800" dirty="0" smtClean="0"/>
+          </a:p>
+          <a:p>
+            <a:pPr algn="ctr">
+              <a:buNone/>
+            </a:pPr>
+            <a:r>
+              <a:rPr lang="en-US" sz="2800" dirty="0" smtClean="0"/>
+              <a:t>		</a:t>
+            </a:r>
+          </a:p>
+          <a:p>
+            <a:pPr algn="ctr">
+              <a:buNone/>
+            </a:pPr>
+            <a:r>
+              <a:rPr lang="en-US" sz="2800" dirty="0" smtClean="0"/>
+              <a:t>Last </a:t>
+            </a:r>
+            <a:r>
+              <a:rPr lang="en-US" sz="2800" dirty="0" smtClean="0"/>
+              <a:t>updated </a:t>
+            </a:r>
+            <a:r>
+              <a:rPr lang="en-US" sz="2800" dirty="0" smtClean="0"/>
+              <a:t>18/ 04 /2016</a:t>
+            </a:r>
+            <a:endParaRPr lang="en-US" sz="2800" dirty="0"/>
+          </a:p>
+        </p:txBody>
+      </p:sp>
+    </p:spTree>
+    <p:extLst>
+      <p:ext uri="{BB962C8B-B14F-4D97-AF65-F5344CB8AC3E}">
+        <p14:creationId xmlns:p14="http://schemas.microsoft.com/office/powerpoint/2010/main" xmlns="" val="2627308617"/>
+      </p:ext>
+    </p:extLst>
+  </p:cSld>
+  <p:clrMapOvr>
+    <a:masterClrMapping/>
+  </p:clrMapOvr>
+</p:sld>
+</file>
+
+<file path=ppt/slides/slide9.xml><?xml version="1.0" encoding="utf-8"?>
 <p:sld xmlns:a="http://schemas.openxmlformats.org/drawingml/2006/main" xmlns:r="http://schemas.openxmlformats.org/officeDocument/2006/relationships" xmlns:p="http://schemas.openxmlformats.org/presentationml/2006/main">
   <p:cSld>
     <p:spTree>
@@ -8703,227 +10351,7 @@
     </p:spTree>
     <p:extLst>
       <p:ext uri="{BB962C8B-B14F-4D97-AF65-F5344CB8AC3E}">
-        <p14:creationId xmlns:p14="http://schemas.microsoft.com/office/powerpoint/2010/main" val="2050661758"/>
-      </p:ext>
-    </p:extLst>
-  </p:cSld>
-  <p:clrMapOvr>
-    <a:masterClrMapping/>
-  </p:clrMapOvr>
-</p:sld>
-</file>
-
-<file path=ppt/slides/slide8.xml><?xml version="1.0" encoding="utf-8"?>
-<p:sld xmlns:a="http://schemas.openxmlformats.org/drawingml/2006/main" xmlns:r="http://schemas.openxmlformats.org/officeDocument/2006/relationships" xmlns:p="http://schemas.openxmlformats.org/presentationml/2006/main">
-  <p:cSld>
-    <p:spTree>
-      <p:nvGrpSpPr>
-        <p:cNvPr id="1" name=""/>
-        <p:cNvGrpSpPr/>
-        <p:nvPr/>
-      </p:nvGrpSpPr>
-      <p:grpSpPr>
-        <a:xfrm>
-          <a:off x="0" y="0"/>
-          <a:ext cx="0" cy="0"/>
-          <a:chOff x="0" y="0"/>
-          <a:chExt cx="0" cy="0"/>
-        </a:xfrm>
-      </p:grpSpPr>
-      <p:sp>
-        <p:nvSpPr>
-          <p:cNvPr id="2" name="Title 1"/>
-          <p:cNvSpPr>
-            <a:spLocks noGrp="1"/>
-          </p:cNvSpPr>
-          <p:nvPr>
-            <p:ph type="title"/>
-          </p:nvPr>
-        </p:nvSpPr>
-        <p:spPr/>
-        <p:txBody>
-          <a:bodyPr/>
-          <a:lstStyle/>
-          <a:p>
-            <a:r>
-              <a:rPr lang="en-US" dirty="0" smtClean="0"/>
-              <a:t>Spring Cloud </a:t>
-            </a:r>
-            <a:r>
-              <a:rPr lang="en-US" dirty="0" err="1" smtClean="0"/>
-              <a:t>Config</a:t>
-            </a:r>
-            <a:r>
-              <a:rPr lang="en-US" dirty="0" smtClean="0"/>
-              <a:t> Server Client</a:t>
-            </a:r>
-            <a:endParaRPr lang="en-US" dirty="0"/>
-          </a:p>
-        </p:txBody>
-      </p:sp>
-      <p:sp>
-        <p:nvSpPr>
-          <p:cNvPr id="3" name="Content Placeholder 2"/>
-          <p:cNvSpPr>
-            <a:spLocks noGrp="1"/>
-          </p:cNvSpPr>
-          <p:nvPr>
-            <p:ph idx="1"/>
-          </p:nvPr>
-        </p:nvSpPr>
-        <p:spPr/>
-        <p:txBody>
-          <a:bodyPr/>
-          <a:lstStyle/>
-          <a:p>
-            <a:r>
-              <a:rPr lang="en-US" dirty="0" smtClean="0"/>
-              <a:t>Refresh Configuration.</a:t>
-            </a:r>
-            <a:endParaRPr lang="en-US" dirty="0"/>
-          </a:p>
-          <a:p>
-            <a:endParaRPr lang="en-US" dirty="0"/>
-          </a:p>
-        </p:txBody>
-      </p:sp>
-      <p:pic>
-        <p:nvPicPr>
-          <p:cNvPr id="6" name="Picture 5"/>
-          <p:cNvPicPr>
-            <a:picLocks noChangeAspect="1"/>
-          </p:cNvPicPr>
-          <p:nvPr/>
-        </p:nvPicPr>
-        <p:blipFill rotWithShape="1">
-          <a:blip r:embed="rId2"/>
-          <a:srcRect t="5669" b="9604"/>
-          <a:stretch/>
-        </p:blipFill>
-        <p:spPr>
-          <a:xfrm>
-            <a:off x="1913380" y="3133898"/>
-            <a:ext cx="6124575" cy="3042458"/>
-          </a:xfrm>
-          <a:prstGeom prst="rect">
-            <a:avLst/>
-          </a:prstGeom>
-        </p:spPr>
-      </p:pic>
-    </p:spTree>
-    <p:extLst>
-      <p:ext uri="{BB962C8B-B14F-4D97-AF65-F5344CB8AC3E}">
-        <p14:creationId xmlns:p14="http://schemas.microsoft.com/office/powerpoint/2010/main" val="3786789244"/>
-      </p:ext>
-    </p:extLst>
-  </p:cSld>
-  <p:clrMapOvr>
-    <a:masterClrMapping/>
-  </p:clrMapOvr>
-</p:sld>
-</file>
-
-<file path=ppt/slides/slide9.xml><?xml version="1.0" encoding="utf-8"?>
-<p:sld xmlns:a="http://schemas.openxmlformats.org/drawingml/2006/main" xmlns:r="http://schemas.openxmlformats.org/officeDocument/2006/relationships" xmlns:p="http://schemas.openxmlformats.org/presentationml/2006/main">
-  <p:cSld>
-    <p:spTree>
-      <p:nvGrpSpPr>
-        <p:cNvPr id="1" name=""/>
-        <p:cNvGrpSpPr/>
-        <p:nvPr/>
-      </p:nvGrpSpPr>
-      <p:grpSpPr>
-        <a:xfrm>
-          <a:off x="0" y="0"/>
-          <a:ext cx="0" cy="0"/>
-          <a:chOff x="0" y="0"/>
-          <a:chExt cx="0" cy="0"/>
-        </a:xfrm>
-      </p:grpSpPr>
-      <p:sp>
-        <p:nvSpPr>
-          <p:cNvPr id="2" name="Title 1"/>
-          <p:cNvSpPr>
-            <a:spLocks noGrp="1"/>
-          </p:cNvSpPr>
-          <p:nvPr>
-            <p:ph type="title"/>
-          </p:nvPr>
-        </p:nvSpPr>
-        <p:spPr/>
-        <p:txBody>
-          <a:bodyPr/>
-          <a:lstStyle/>
-          <a:p>
-            <a:r>
-              <a:rPr lang="en-US" dirty="0" smtClean="0"/>
-              <a:t>Spring Cloud </a:t>
-            </a:r>
-            <a:r>
-              <a:rPr lang="en-US" dirty="0" err="1" smtClean="0"/>
-              <a:t>Config</a:t>
-            </a:r>
-            <a:r>
-              <a:rPr lang="en-US" dirty="0" smtClean="0"/>
-              <a:t> Server Client</a:t>
-            </a:r>
-            <a:endParaRPr lang="en-US" dirty="0"/>
-          </a:p>
-        </p:txBody>
-      </p:sp>
-      <p:sp>
-        <p:nvSpPr>
-          <p:cNvPr id="3" name="Content Placeholder 2"/>
-          <p:cNvSpPr>
-            <a:spLocks noGrp="1"/>
-          </p:cNvSpPr>
-          <p:nvPr>
-            <p:ph idx="1"/>
-          </p:nvPr>
-        </p:nvSpPr>
-        <p:spPr/>
-        <p:txBody>
-          <a:bodyPr/>
-          <a:lstStyle/>
-          <a:p>
-            <a:r>
-              <a:rPr lang="en-US" dirty="0" smtClean="0"/>
-              <a:t>Sample code</a:t>
-            </a:r>
-          </a:p>
-          <a:p>
-            <a:endParaRPr lang="en-US" dirty="0" smtClean="0"/>
-          </a:p>
-          <a:p>
-            <a:r>
-              <a:rPr lang="en-US" dirty="0" smtClean="0"/>
-              <a:t>1. </a:t>
-            </a:r>
-            <a:r>
-              <a:rPr lang="en-US" dirty="0" err="1" smtClean="0"/>
-              <a:t>Config</a:t>
-            </a:r>
-            <a:r>
-              <a:rPr lang="en-US" dirty="0" smtClean="0"/>
-              <a:t> server client</a:t>
-            </a:r>
-          </a:p>
-          <a:p>
-            <a:r>
-              <a:rPr lang="en-US" dirty="0" smtClean="0"/>
-              <a:t>2. Refresh configuration</a:t>
-            </a:r>
-            <a:endParaRPr lang="en-US" dirty="0"/>
-          </a:p>
-          <a:p>
-            <a:endParaRPr lang="en-US" dirty="0"/>
-          </a:p>
-        </p:txBody>
-      </p:sp>
-    </p:spTree>
-    <p:extLst>
-      <p:ext uri="{BB962C8B-B14F-4D97-AF65-F5344CB8AC3E}">
-        <p14:creationId xmlns:p14="http://schemas.microsoft.com/office/powerpoint/2010/main" val="4262707460"/>
+        <p14:creationId xmlns:p14="http://schemas.microsoft.com/office/powerpoint/2010/main" xmlns="" val="2050661758"/>
       </p:ext>
     </p:extLst>
   </p:cSld>
@@ -8976,7 +10404,7 @@
     </a:clrScheme>
     <a:fontScheme name="Facet">
       <a:majorFont>
-        <a:latin typeface="Trebuchet MS" panose="020B0603020202020204"/>
+        <a:latin typeface="Trebuchet MS"/>
         <a:ea typeface=""/>
         <a:cs typeface=""/>
         <a:font script="Jpan" typeface="メイリオ"/>
@@ -9011,7 +10439,7 @@
         <a:font script="Geor" typeface="Sylfaen"/>
       </a:majorFont>
       <a:minorFont>
-        <a:latin typeface="Trebuchet MS" panose="020B0603020202020204"/>
+        <a:latin typeface="Trebuchet MS"/>
         <a:ea typeface=""/>
         <a:cs typeface=""/>
         <a:font script="Jpan" typeface="メイリオ"/>
@@ -9184,7 +10612,7 @@
   <a:extraClrSchemeLst/>
   <a:extLst>
     <a:ext uri="{05A4C25C-085E-4340-85A3-A5531E510DB2}">
-      <thm15:themeFamily xmlns:thm15="http://schemas.microsoft.com/office/thememl/2012/main" name="Facet" id="{C0C680CD-088A-49FC-A102-D699147F32B2}" vid="{CFBC31BA-B70F-4F30-BCAA-4F3011E16C4D}"/>
+      <thm15:themeFamily xmlns:thm15="http://schemas.microsoft.com/office/thememl/2012/main" xmlns="" name="Facet" id="{C0C680CD-088A-49FC-A102-D699147F32B2}" vid="{CFBC31BA-B70F-4F30-BCAA-4F3011E16C4D}"/>
     </a:ext>
   </a:extLst>
 </a:theme>
